--- a/CODEWARRIORZ.pptx
+++ b/CODEWARRIORZ.pptx
@@ -13,21 +13,23 @@
     <p:sldId id="261" r:id="rId7"/>
     <p:sldId id="263" r:id="rId8"/>
     <p:sldId id="264" r:id="rId9"/>
-    <p:sldId id="266" r:id="rId10"/>
+    <p:sldId id="268" r:id="rId10"/>
+    <p:sldId id="269" r:id="rId11"/>
+    <p:sldId id="266" r:id="rId12"/>
   </p:sldIdLst>
   <p:sldSz cx="18288000" cy="10287000"/>
   <p:notesSz cx="6858000" cy="9144000"/>
   <p:embeddedFontLst>
     <p:embeddedFont>
       <p:font typeface="Open Sans" panose="020B0606030504020204" pitchFamily="34" charset="0"/>
-      <p:regular r:id="rId11"/>
-      <p:bold r:id="rId12"/>
-      <p:italic r:id="rId13"/>
-      <p:boldItalic r:id="rId14"/>
+      <p:regular r:id="rId13"/>
+      <p:bold r:id="rId14"/>
+      <p:italic r:id="rId15"/>
+      <p:boldItalic r:id="rId16"/>
     </p:embeddedFont>
     <p:embeddedFont>
       <p:font typeface="TT Octosquares Compressed" panose="020B0604020202020204" charset="0"/>
-      <p:regular r:id="rId15"/>
+      <p:regular r:id="rId17"/>
     </p:embeddedFont>
   </p:embeddedFontLst>
   <p:defaultTextStyle>
@@ -3861,12 +3863,18 @@
 </p:sld>
 </file>
 
-<file path=ppt/slides/slide2.xml><?xml version="1.0" encoding="utf-8"?>
+<file path=ppt/slides/slide10.xml><?xml version="1.0" encoding="utf-8"?>
 <p:sld xmlns:a="http://schemas.openxmlformats.org/drawingml/2006/main" xmlns:r="http://schemas.openxmlformats.org/officeDocument/2006/relationships" xmlns:p="http://schemas.openxmlformats.org/presentationml/2006/main">
   <p:cSld>
     <p:spTree>
       <p:nvGrpSpPr>
-        <p:cNvPr id="1" name=""/>
+        <p:cNvPr id="1" name="">
+          <a:extLst>
+            <a:ext uri="{FF2B5EF4-FFF2-40B4-BE49-F238E27FC236}">
+              <a16:creationId xmlns:a16="http://schemas.microsoft.com/office/drawing/2014/main" id="{BF04D7EC-6244-CCAE-7E51-E511D47671A8}"/>
+            </a:ext>
+          </a:extLst>
+        </p:cNvPr>
         <p:cNvGrpSpPr/>
         <p:nvPr/>
       </p:nvGrpSpPr>
@@ -3880,13 +3888,19 @@
       </p:grpSpPr>
       <p:sp>
         <p:nvSpPr>
-          <p:cNvPr id="2" name="Freeform 2"/>
+          <p:cNvPr id="2" name="Freeform 2">
+            <a:extLst>
+              <a:ext uri="{FF2B5EF4-FFF2-40B4-BE49-F238E27FC236}">
+                <a16:creationId xmlns:a16="http://schemas.microsoft.com/office/drawing/2014/main" id="{F15241CD-6987-6EB1-8674-23F378F7BF09}"/>
+              </a:ext>
+            </a:extLst>
+          </p:cNvPr>
           <p:cNvSpPr/>
           <p:nvPr/>
         </p:nvSpPr>
         <p:spPr>
           <a:xfrm>
-            <a:off x="0" y="0"/>
+            <a:off x="0" y="20515"/>
             <a:ext cx="18288000" cy="10287000"/>
           </a:xfrm>
           <a:custGeom>
@@ -3923,215 +3937,449 @@
             </a:stretch>
           </a:blipFill>
         </p:spPr>
-      </p:sp>
-      <p:sp>
-        <p:nvSpPr>
-          <p:cNvPr id="3" name="TextBox 2">
+        <p:txBody>
+          <a:bodyPr/>
+          <a:lstStyle/>
+          <a:p>
+            <a:endParaRPr lang="en-IN" dirty="0">
+              <a:solidFill>
+                <a:schemeClr val="bg1"/>
+              </a:solidFill>
+            </a:endParaRPr>
+          </a:p>
+        </p:txBody>
+      </p:sp>
+      <p:sp>
+        <p:nvSpPr>
+          <p:cNvPr id="4" name="Rectangle 1">
             <a:extLst>
               <a:ext uri="{FF2B5EF4-FFF2-40B4-BE49-F238E27FC236}">
-                <a16:creationId xmlns:a16="http://schemas.microsoft.com/office/drawing/2014/main" id="{2A272C9E-B303-F2B1-C524-73F6AA3291D3}"/>
+                <a16:creationId xmlns:a16="http://schemas.microsoft.com/office/drawing/2014/main" id="{D99595C3-55CC-39D6-63D4-E41C7D342D46}"/>
               </a:ext>
             </a:extLst>
           </p:cNvPr>
-          <p:cNvSpPr txBox="1"/>
+          <p:cNvSpPr>
+            <a:spLocks noChangeArrowheads="1"/>
+          </p:cNvSpPr>
           <p:nvPr/>
         </p:nvSpPr>
-        <p:spPr>
+        <p:spPr bwMode="auto">
           <a:xfrm>
-            <a:off x="1447800" y="902110"/>
-            <a:ext cx="15163800" cy="7478970"/>
+            <a:off x="1219200" y="2066478"/>
+            <a:ext cx="16611600" cy="6001643"/>
           </a:xfrm>
           <a:prstGeom prst="rect">
             <a:avLst/>
           </a:prstGeom>
           <a:noFill/>
+          <a:ln>
+            <a:noFill/>
+          </a:ln>
+          <a:effectLst/>
+          <a:extLst>
+            <a:ext uri="{909E8E84-426E-40DD-AFC4-6F175D3DCCD1}">
+              <a14:hiddenFill xmlns:a14="http://schemas.microsoft.com/office/drawing/2010/main">
+                <a:solidFill>
+                  <a:schemeClr val="accent1"/>
+                </a:solidFill>
+              </a14:hiddenFill>
+            </a:ext>
+            <a:ext uri="{91240B29-F687-4F45-9708-019B960494DF}">
+              <a14:hiddenLine xmlns:a14="http://schemas.microsoft.com/office/drawing/2010/main" w="9525">
+                <a:solidFill>
+                  <a:schemeClr val="tx1"/>
+                </a:solidFill>
+                <a:miter lim="800000"/>
+                <a:headEnd/>
+                <a:tailEnd/>
+              </a14:hiddenLine>
+            </a:ext>
+            <a:ext uri="{AF507438-7753-43E0-B8FC-AC1667EBCBE1}">
+              <a14:hiddenEffects xmlns:a14="http://schemas.microsoft.com/office/drawing/2010/main">
+                <a:effectLst>
+                  <a:outerShdw dist="35921" dir="2700000" algn="ctr" rotWithShape="0">
+                    <a:schemeClr val="bg2"/>
+                  </a:outerShdw>
+                </a:effectLst>
+              </a14:hiddenEffects>
+            </a:ext>
+          </a:extLst>
         </p:spPr>
         <p:txBody>
-          <a:bodyPr wrap="square" rtlCol="0">
+          <a:bodyPr vert="horz" wrap="square" lIns="91440" tIns="45720" rIns="91440" bIns="45720" numCol="1" anchor="ctr" anchorCtr="0" compatLnSpc="1">
+            <a:prstTxWarp prst="textNoShape">
+              <a:avLst/>
+            </a:prstTxWarp>
             <a:spAutoFit/>
           </a:bodyPr>
           <a:lstStyle/>
           <a:p>
-            <a:pPr algn="ctr"/>
-            <a:r>
-              <a:rPr lang="en-US" sz="4800" b="1" dirty="0">
-                <a:solidFill>
-                  <a:schemeClr val="bg1"/>
-                </a:solidFill>
-                <a:latin typeface="TT Octosquares Compressed" panose="020B0604020202020204" charset="0"/>
-                <a:cs typeface="Times New Roman" panose="02020603050405020304" pitchFamily="18" charset="0"/>
-              </a:rPr>
-              <a:t>TEAM NAME:</a:t>
-            </a:r>
-            <a:r>
-              <a:rPr lang="en-IN" sz="4800" b="1" dirty="0">
-                <a:solidFill>
-                  <a:schemeClr val="bg1"/>
-                </a:solidFill>
-                <a:latin typeface="TT Octosquares Compressed" panose="020B0604020202020204" charset="0"/>
-                <a:cs typeface="Times New Roman" panose="02020603050405020304" pitchFamily="18" charset="0"/>
-              </a:rPr>
-              <a:t>  </a:t>
-            </a:r>
-            <a:r>
-              <a:rPr lang="en-IN" sz="4800" b="1" dirty="0" err="1">
-                <a:solidFill>
-                  <a:schemeClr val="bg1"/>
-                </a:solidFill>
-                <a:latin typeface="TT Octosquares Compressed" panose="020B0604020202020204" charset="0"/>
-                <a:cs typeface="Times New Roman" panose="02020603050405020304" pitchFamily="18" charset="0"/>
-              </a:rPr>
-              <a:t>CodeWarriorZ</a:t>
-            </a:r>
-            <a:endParaRPr lang="en-IN" sz="4800" b="1" dirty="0">
-              <a:solidFill>
-                <a:schemeClr val="bg1"/>
-              </a:solidFill>
-              <a:latin typeface="TT Octosquares Compressed" panose="020B0604020202020204" charset="0"/>
-              <a:cs typeface="Times New Roman" panose="02020603050405020304" pitchFamily="18" charset="0"/>
-            </a:endParaRPr>
-          </a:p>
-          <a:p>
-            <a:pPr algn="ctr"/>
-            <a:endParaRPr lang="en-IN" sz="4800" b="1" dirty="0">
-              <a:solidFill>
-                <a:schemeClr val="bg1"/>
-              </a:solidFill>
-              <a:latin typeface="TT Octosquares Compressed" panose="020B0604020202020204" charset="0"/>
-              <a:cs typeface="Times New Roman" panose="02020603050405020304" pitchFamily="18" charset="0"/>
-            </a:endParaRPr>
-          </a:p>
-          <a:p>
-            <a:pPr algn="ctr"/>
-            <a:r>
-              <a:rPr lang="en-IN" sz="4800" b="1" dirty="0">
-                <a:solidFill>
-                  <a:schemeClr val="bg1"/>
-                </a:solidFill>
-                <a:latin typeface="TT Octosquares Compressed" panose="020B0604020202020204" charset="0"/>
-                <a:cs typeface="Times New Roman" panose="02020603050405020304" pitchFamily="18" charset="0"/>
-              </a:rPr>
-              <a:t>Members:</a:t>
-            </a:r>
-          </a:p>
-          <a:p>
-            <a:pPr algn="ctr"/>
-            <a:r>
-              <a:rPr lang="en-IN" sz="4800" b="1" dirty="0">
-                <a:solidFill>
-                  <a:schemeClr val="bg1"/>
-                </a:solidFill>
-                <a:latin typeface="TT Octosquares Compressed" panose="020B0604020202020204" charset="0"/>
-                <a:cs typeface="Times New Roman" panose="02020603050405020304" pitchFamily="18" charset="0"/>
-              </a:rPr>
-              <a:t> 1. Deepak Mehta</a:t>
-            </a:r>
-          </a:p>
-          <a:p>
-            <a:pPr algn="ctr"/>
-            <a:r>
-              <a:rPr lang="en-IN" sz="4800" b="1" dirty="0">
-                <a:solidFill>
-                  <a:schemeClr val="bg1"/>
-                </a:solidFill>
-                <a:latin typeface="TT Octosquares Compressed" panose="020B0604020202020204" charset="0"/>
-                <a:cs typeface="Times New Roman" panose="02020603050405020304" pitchFamily="18" charset="0"/>
-              </a:rPr>
-              <a:t> 2. Karan Mondal</a:t>
-            </a:r>
-          </a:p>
-          <a:p>
-            <a:pPr algn="ctr"/>
-            <a:r>
-              <a:rPr lang="en-IN" sz="4800" b="1" dirty="0">
-                <a:solidFill>
-                  <a:schemeClr val="bg1"/>
-                </a:solidFill>
-                <a:latin typeface="TT Octosquares Compressed" panose="020B0604020202020204" charset="0"/>
-                <a:cs typeface="Times New Roman" panose="02020603050405020304" pitchFamily="18" charset="0"/>
-              </a:rPr>
-              <a:t>3. Rishabh Dave</a:t>
-            </a:r>
-          </a:p>
-          <a:p>
-            <a:pPr algn="ctr"/>
-            <a:r>
-              <a:rPr lang="en-IN" sz="4800" b="1" dirty="0">
-                <a:solidFill>
-                  <a:schemeClr val="bg1"/>
-                </a:solidFill>
-                <a:latin typeface="TT Octosquares Compressed" panose="020B0604020202020204" charset="0"/>
-                <a:cs typeface="Times New Roman" panose="02020603050405020304" pitchFamily="18" charset="0"/>
-              </a:rPr>
-              <a:t>    4. Prashant Sharma</a:t>
-            </a:r>
-          </a:p>
-          <a:p>
-            <a:pPr algn="ctr"/>
-            <a:endParaRPr lang="en-IN" sz="4800" b="1" dirty="0">
-              <a:solidFill>
-                <a:schemeClr val="bg1"/>
-              </a:solidFill>
-              <a:latin typeface="TT Octosquares Compressed" panose="020B0604020202020204" charset="0"/>
-              <a:cs typeface="Times New Roman" panose="02020603050405020304" pitchFamily="18" charset="0"/>
-            </a:endParaRPr>
-          </a:p>
-          <a:p>
-            <a:pPr algn="ctr"/>
-            <a:r>
-              <a:rPr lang="en-IN" sz="4800" b="1" dirty="0">
-                <a:solidFill>
-                  <a:schemeClr val="bg1"/>
-                </a:solidFill>
-                <a:latin typeface="TT Octosquares Compressed" panose="020B0604020202020204" charset="0"/>
-                <a:cs typeface="Times New Roman" panose="02020603050405020304" pitchFamily="18" charset="0"/>
-              </a:rPr>
-              <a:t>College:</a:t>
-            </a:r>
-          </a:p>
-          <a:p>
-            <a:pPr algn="ctr"/>
-            <a:r>
-              <a:rPr lang="en-US" sz="4800" b="1" dirty="0">
-                <a:solidFill>
-                  <a:schemeClr val="bg1"/>
-                </a:solidFill>
-                <a:latin typeface="TT Octosquares Compressed" panose="020B0604020202020204" charset="0"/>
-                <a:cs typeface="Times New Roman" panose="02020603050405020304" pitchFamily="18" charset="0"/>
-              </a:rPr>
-              <a:t>	</a:t>
-            </a:r>
-            <a:r>
-              <a:rPr lang="en-US" sz="4800" b="1" dirty="0" err="1">
-                <a:solidFill>
-                  <a:schemeClr val="bg1"/>
-                </a:solidFill>
-                <a:latin typeface="TT Octosquares Compressed" panose="020B0604020202020204" charset="0"/>
-                <a:cs typeface="Times New Roman" panose="02020603050405020304" pitchFamily="18" charset="0"/>
-              </a:rPr>
-              <a:t>Thadomal</a:t>
-            </a:r>
-            <a:r>
-              <a:rPr lang="en-US" sz="4800" b="1" dirty="0">
-                <a:solidFill>
-                  <a:schemeClr val="bg1"/>
-                </a:solidFill>
-                <a:latin typeface="TT Octosquares Compressed" panose="020B0604020202020204" charset="0"/>
-                <a:cs typeface="Times New Roman" panose="02020603050405020304" pitchFamily="18" charset="0"/>
-              </a:rPr>
-              <a:t> Shahani Engineering College</a:t>
-            </a:r>
-            <a:endParaRPr lang="en-IN" sz="4800" b="1" dirty="0">
-              <a:solidFill>
-                <a:schemeClr val="bg1"/>
-              </a:solidFill>
-              <a:latin typeface="TT Octosquares Compressed" panose="020B0604020202020204" charset="0"/>
-              <a:cs typeface="Times New Roman" panose="02020603050405020304" pitchFamily="18" charset="0"/>
-            </a:endParaRPr>
+            <a:pPr marL="0" marR="0" lvl="0" indent="0" algn="l" defTabSz="914400" rtl="0" eaLnBrk="0" fontAlgn="base" latinLnBrk="0" hangingPunct="0">
+              <a:lnSpc>
+                <a:spcPct val="100000"/>
+              </a:lnSpc>
+              <a:spcBef>
+                <a:spcPct val="0"/>
+              </a:spcBef>
+              <a:spcAft>
+                <a:spcPct val="0"/>
+              </a:spcAft>
+              <a:buClrTx/>
+              <a:buSzTx/>
+              <a:tabLst/>
+            </a:pPr>
+            <a:r>
+              <a:rPr lang="en-US" altLang="en-US" sz="4800" b="1" dirty="0">
+                <a:solidFill>
+                  <a:schemeClr val="bg1"/>
+                </a:solidFill>
+                <a:latin typeface="TT Octosquares Compressed" panose="020B0604020202020204" charset="0"/>
+              </a:rPr>
+              <a:t>-</a:t>
+            </a:r>
+            <a:r>
+              <a:rPr kumimoji="0" lang="en-US" altLang="en-US" sz="4800" b="1" i="0" u="none" strike="noStrike" cap="none" normalizeH="0" baseline="0" dirty="0">
+                <a:ln>
+                  <a:noFill/>
+                </a:ln>
+                <a:solidFill>
+                  <a:schemeClr val="bg1"/>
+                </a:solidFill>
+                <a:effectLst/>
+                <a:latin typeface="TT Octosquares Compressed" panose="020B0604020202020204" charset="0"/>
+              </a:rPr>
+              <a:t>IR Flame Sensor</a:t>
+            </a:r>
+            <a:r>
+              <a:rPr kumimoji="0" lang="en-US" altLang="en-US" sz="4800" b="0" i="0" u="none" strike="noStrike" cap="none" normalizeH="0" baseline="0" dirty="0">
+                <a:ln>
+                  <a:noFill/>
+                </a:ln>
+                <a:solidFill>
+                  <a:schemeClr val="bg1"/>
+                </a:solidFill>
+                <a:effectLst/>
+                <a:latin typeface="TT Octosquares Compressed" panose="020B0604020202020204" charset="0"/>
+              </a:rPr>
+              <a:t> - 29 Free Guides for Sensors and Modules </a:t>
+            </a:r>
+          </a:p>
+          <a:p>
+            <a:pPr marL="0" marR="0" lvl="0" indent="0" algn="l" defTabSz="914400" rtl="0" eaLnBrk="0" fontAlgn="base" latinLnBrk="0" hangingPunct="0">
+              <a:lnSpc>
+                <a:spcPct val="100000"/>
+              </a:lnSpc>
+              <a:spcBef>
+                <a:spcPct val="0"/>
+              </a:spcBef>
+              <a:spcAft>
+                <a:spcPct val="0"/>
+              </a:spcAft>
+              <a:buClrTx/>
+              <a:buSzTx/>
+              <a:buFontTx/>
+              <a:buChar char="•"/>
+              <a:tabLst/>
+            </a:pPr>
+            <a:r>
+              <a:rPr kumimoji="0" lang="en-US" altLang="en-US" sz="4800" b="1" i="0" u="none" strike="noStrike" cap="none" normalizeH="0" baseline="0" dirty="0">
+                <a:ln>
+                  <a:noFill/>
+                </a:ln>
+                <a:solidFill>
+                  <a:schemeClr val="bg1"/>
+                </a:solidFill>
+                <a:effectLst/>
+                <a:latin typeface="TT Octosquares Compressed" panose="020B0604020202020204" charset="0"/>
+              </a:rPr>
+              <a:t>Battery 3.7V 2500mAh (18650)</a:t>
+            </a:r>
+            <a:r>
+              <a:rPr kumimoji="0" lang="en-US" altLang="en-US" sz="4800" b="0" i="0" u="none" strike="noStrike" cap="none" normalizeH="0" baseline="0" dirty="0">
+                <a:ln>
+                  <a:noFill/>
+                </a:ln>
+                <a:solidFill>
+                  <a:schemeClr val="bg1"/>
+                </a:solidFill>
+                <a:effectLst/>
+                <a:latin typeface="TT Octosquares Compressed" panose="020B0604020202020204" charset="0"/>
+              </a:rPr>
+              <a:t> - 29 Free Guides for Sensors and Modules </a:t>
+            </a:r>
+          </a:p>
+          <a:p>
+            <a:pPr marL="0" marR="0" lvl="0" indent="0" algn="l" defTabSz="914400" rtl="0" eaLnBrk="0" fontAlgn="base" latinLnBrk="0" hangingPunct="0">
+              <a:lnSpc>
+                <a:spcPct val="100000"/>
+              </a:lnSpc>
+              <a:spcBef>
+                <a:spcPct val="0"/>
+              </a:spcBef>
+              <a:spcAft>
+                <a:spcPct val="0"/>
+              </a:spcAft>
+              <a:buClrTx/>
+              <a:buSzTx/>
+              <a:buFontTx/>
+              <a:buChar char="•"/>
+              <a:tabLst/>
+            </a:pPr>
+            <a:r>
+              <a:rPr kumimoji="0" lang="en-US" altLang="en-US" sz="4800" b="1" i="0" u="none" strike="noStrike" cap="none" normalizeH="0" baseline="0" dirty="0">
+                <a:ln>
+                  <a:noFill/>
+                </a:ln>
+                <a:solidFill>
+                  <a:schemeClr val="bg1"/>
+                </a:solidFill>
+                <a:effectLst/>
+                <a:latin typeface="TT Octosquares Compressed" panose="020B0604020202020204" charset="0"/>
+              </a:rPr>
+              <a:t>Water Flow Sensor</a:t>
+            </a:r>
+            <a:r>
+              <a:rPr kumimoji="0" lang="en-US" altLang="en-US" sz="4800" b="0" i="0" u="none" strike="noStrike" cap="none" normalizeH="0" baseline="0" dirty="0">
+                <a:ln>
+                  <a:noFill/>
+                </a:ln>
+                <a:solidFill>
+                  <a:schemeClr val="bg1"/>
+                </a:solidFill>
+                <a:effectLst/>
+                <a:latin typeface="TT Octosquares Compressed" panose="020B0604020202020204" charset="0"/>
+              </a:rPr>
+              <a:t> - 29 Free Guides for Sensors and Modules </a:t>
+            </a:r>
+          </a:p>
+          <a:p>
+            <a:pPr marL="0" marR="0" lvl="0" indent="0" algn="l" defTabSz="914400" rtl="0" eaLnBrk="0" fontAlgn="base" latinLnBrk="0" hangingPunct="0">
+              <a:lnSpc>
+                <a:spcPct val="100000"/>
+              </a:lnSpc>
+              <a:spcBef>
+                <a:spcPct val="0"/>
+              </a:spcBef>
+              <a:spcAft>
+                <a:spcPct val="0"/>
+              </a:spcAft>
+              <a:buClrTx/>
+              <a:buSzTx/>
+              <a:buFontTx/>
+              <a:buChar char="•"/>
+              <a:tabLst/>
+            </a:pPr>
+            <a:r>
+              <a:rPr kumimoji="0" lang="en-US" altLang="en-US" sz="4800" b="1" i="0" u="none" strike="noStrike" cap="none" normalizeH="0" baseline="0" dirty="0">
+                <a:ln>
+                  <a:noFill/>
+                </a:ln>
+                <a:solidFill>
+                  <a:schemeClr val="bg1"/>
+                </a:solidFill>
+                <a:effectLst/>
+                <a:latin typeface="TT Octosquares Compressed" panose="020B0604020202020204" charset="0"/>
+              </a:rPr>
+              <a:t>DHT11 Temperature and Humidity Sensor</a:t>
+            </a:r>
+            <a:r>
+              <a:rPr kumimoji="0" lang="en-US" altLang="en-US" sz="4800" b="0" i="0" u="none" strike="noStrike" cap="none" normalizeH="0" baseline="0" dirty="0">
+                <a:ln>
+                  <a:noFill/>
+                </a:ln>
+                <a:solidFill>
+                  <a:schemeClr val="bg1"/>
+                </a:solidFill>
+                <a:effectLst/>
+                <a:latin typeface="TT Octosquares Compressed" panose="020B0604020202020204" charset="0"/>
+              </a:rPr>
+              <a:t> - 29 Free Guides for Sensors and Modules </a:t>
+            </a:r>
+          </a:p>
+          <a:p>
+            <a:pPr marL="0" marR="0" lvl="0" indent="0" algn="l" defTabSz="914400" rtl="0" eaLnBrk="0" fontAlgn="base" latinLnBrk="0" hangingPunct="0">
+              <a:lnSpc>
+                <a:spcPct val="100000"/>
+              </a:lnSpc>
+              <a:spcBef>
+                <a:spcPct val="0"/>
+              </a:spcBef>
+              <a:spcAft>
+                <a:spcPct val="0"/>
+              </a:spcAft>
+              <a:buClrTx/>
+              <a:buSzTx/>
+              <a:buFontTx/>
+              <a:buChar char="•"/>
+              <a:tabLst/>
+            </a:pPr>
+            <a:r>
+              <a:rPr kumimoji="0" lang="en-US" altLang="en-US" sz="4800" b="1" i="0" u="none" strike="noStrike" cap="none" normalizeH="0" baseline="0" dirty="0">
+                <a:ln>
+                  <a:noFill/>
+                </a:ln>
+                <a:solidFill>
+                  <a:schemeClr val="bg1"/>
+                </a:solidFill>
+                <a:effectLst/>
+                <a:latin typeface="TT Octosquares Compressed" panose="020B0604020202020204" charset="0"/>
+              </a:rPr>
+              <a:t>Soil Moisture Sensor</a:t>
+            </a:r>
+            <a:r>
+              <a:rPr kumimoji="0" lang="en-US" altLang="en-US" sz="4800" b="0" i="0" u="none" strike="noStrike" cap="none" normalizeH="0" baseline="0" dirty="0">
+                <a:ln>
+                  <a:noFill/>
+                </a:ln>
+                <a:solidFill>
+                  <a:schemeClr val="bg1"/>
+                </a:solidFill>
+                <a:effectLst/>
+                <a:latin typeface="TT Octosquares Compressed" panose="020B0604020202020204" charset="0"/>
+              </a:rPr>
+              <a:t> - 29 Free Guides for Sensors and Modules </a:t>
+            </a:r>
+          </a:p>
+          <a:p>
+            <a:pPr marL="0" marR="0" lvl="0" indent="0" algn="l" defTabSz="914400" rtl="0" eaLnBrk="0" fontAlgn="base" latinLnBrk="0" hangingPunct="0">
+              <a:lnSpc>
+                <a:spcPct val="100000"/>
+              </a:lnSpc>
+              <a:spcBef>
+                <a:spcPct val="0"/>
+              </a:spcBef>
+              <a:spcAft>
+                <a:spcPct val="0"/>
+              </a:spcAft>
+              <a:buClrTx/>
+              <a:buSzTx/>
+              <a:buFontTx/>
+              <a:buChar char="•"/>
+              <a:tabLst/>
+            </a:pPr>
+            <a:r>
+              <a:rPr kumimoji="0" lang="en-US" altLang="en-US" sz="4800" b="1" i="0" u="none" strike="noStrike" cap="none" normalizeH="0" baseline="0" dirty="0">
+                <a:ln>
+                  <a:noFill/>
+                </a:ln>
+                <a:solidFill>
+                  <a:schemeClr val="bg1"/>
+                </a:solidFill>
+                <a:effectLst/>
+                <a:latin typeface="TT Octosquares Compressed" panose="020B0604020202020204" charset="0"/>
+              </a:rPr>
+              <a:t>Relay Module</a:t>
+            </a:r>
+            <a:r>
+              <a:rPr kumimoji="0" lang="en-US" altLang="en-US" sz="4800" b="0" i="0" u="none" strike="noStrike" cap="none" normalizeH="0" baseline="0" dirty="0">
+                <a:ln>
+                  <a:noFill/>
+                </a:ln>
+                <a:solidFill>
+                  <a:schemeClr val="bg1"/>
+                </a:solidFill>
+                <a:effectLst/>
+                <a:latin typeface="TT Octosquares Compressed" panose="020B0604020202020204" charset="0"/>
+              </a:rPr>
+              <a:t> - 29 Free Guides for Sensors and Modules </a:t>
+            </a:r>
+          </a:p>
+          <a:p>
+            <a:pPr marL="0" marR="0" lvl="0" indent="0" algn="l" defTabSz="914400" rtl="0" eaLnBrk="0" fontAlgn="base" latinLnBrk="0" hangingPunct="0">
+              <a:lnSpc>
+                <a:spcPct val="100000"/>
+              </a:lnSpc>
+              <a:spcBef>
+                <a:spcPct val="0"/>
+              </a:spcBef>
+              <a:spcAft>
+                <a:spcPct val="0"/>
+              </a:spcAft>
+              <a:buClrTx/>
+              <a:buSzTx/>
+              <a:buFontTx/>
+              <a:buChar char="•"/>
+              <a:tabLst/>
+            </a:pPr>
+            <a:r>
+              <a:rPr kumimoji="0" lang="en-US" altLang="en-US" sz="4800" b="1" i="0" u="none" strike="noStrike" cap="none" normalizeH="0" baseline="0" dirty="0">
+                <a:ln>
+                  <a:noFill/>
+                </a:ln>
+                <a:solidFill>
+                  <a:schemeClr val="bg1"/>
+                </a:solidFill>
+                <a:effectLst/>
+                <a:latin typeface="TT Octosquares Compressed" panose="020B0604020202020204" charset="0"/>
+              </a:rPr>
+              <a:t>Rain Sensor</a:t>
+            </a:r>
+            <a:r>
+              <a:rPr kumimoji="0" lang="en-US" altLang="en-US" sz="4800" b="0" i="0" u="none" strike="noStrike" cap="none" normalizeH="0" baseline="0" dirty="0">
+                <a:ln>
+                  <a:noFill/>
+                </a:ln>
+                <a:solidFill>
+                  <a:schemeClr val="bg1"/>
+                </a:solidFill>
+                <a:effectLst/>
+                <a:latin typeface="TT Octosquares Compressed" panose="020B0604020202020204" charset="0"/>
+              </a:rPr>
+              <a:t> - 29 Free Guides for Sensors and Modules </a:t>
+            </a:r>
+          </a:p>
+          <a:p>
+            <a:pPr marL="0" marR="0" lvl="0" indent="0" algn="l" defTabSz="914400" rtl="0" eaLnBrk="0" fontAlgn="base" latinLnBrk="0" hangingPunct="0">
+              <a:lnSpc>
+                <a:spcPct val="100000"/>
+              </a:lnSpc>
+              <a:spcBef>
+                <a:spcPct val="0"/>
+              </a:spcBef>
+              <a:spcAft>
+                <a:spcPct val="0"/>
+              </a:spcAft>
+              <a:buClrTx/>
+              <a:buSzTx/>
+              <a:buFontTx/>
+              <a:buChar char="•"/>
+              <a:tabLst/>
+            </a:pPr>
+            <a:r>
+              <a:rPr kumimoji="0" lang="en-US" altLang="en-US" sz="4800" b="1" i="0" u="none" strike="noStrike" cap="none" normalizeH="0" baseline="0" dirty="0">
+                <a:ln>
+                  <a:noFill/>
+                </a:ln>
+                <a:solidFill>
+                  <a:schemeClr val="bg1"/>
+                </a:solidFill>
+                <a:effectLst/>
+                <a:latin typeface="TT Octosquares Compressed" panose="020B0604020202020204" charset="0"/>
+              </a:rPr>
+              <a:t>RTC DS3231 Module</a:t>
+            </a:r>
+            <a:r>
+              <a:rPr kumimoji="0" lang="en-US" altLang="en-US" sz="4800" b="0" i="0" u="none" strike="noStrike" cap="none" normalizeH="0" baseline="0" dirty="0">
+                <a:ln>
+                  <a:noFill/>
+                </a:ln>
+                <a:solidFill>
+                  <a:schemeClr val="bg1"/>
+                </a:solidFill>
+                <a:effectLst/>
+                <a:latin typeface="TT Octosquares Compressed" panose="020B0604020202020204" charset="0"/>
+              </a:rPr>
+              <a:t> - 29 Free Guides for Sensors and Modules </a:t>
+            </a:r>
           </a:p>
         </p:txBody>
       </p:sp>
     </p:spTree>
+    <p:extLst>
+      <p:ext uri="{BB962C8B-B14F-4D97-AF65-F5344CB8AC3E}">
+        <p14:creationId xmlns:p14="http://schemas.microsoft.com/office/powerpoint/2010/main" val="3749085284"/>
+      </p:ext>
+    </p:extLst>
   </p:cSld>
   <p:clrMapOvr>
     <a:masterClrMapping/>
@@ -4139,1429 +4387,7 @@
 </p:sld>
 </file>
 
-<file path=ppt/slides/slide3.xml><?xml version="1.0" encoding="utf-8"?>
-<p:sld xmlns:a="http://schemas.openxmlformats.org/drawingml/2006/main" xmlns:r="http://schemas.openxmlformats.org/officeDocument/2006/relationships" xmlns:p="http://schemas.openxmlformats.org/presentationml/2006/main">
-  <p:cSld>
-    <p:spTree>
-      <p:nvGrpSpPr>
-        <p:cNvPr id="1" name=""/>
-        <p:cNvGrpSpPr/>
-        <p:nvPr/>
-      </p:nvGrpSpPr>
-      <p:grpSpPr>
-        <a:xfrm>
-          <a:off x="0" y="0"/>
-          <a:ext cx="0" cy="0"/>
-          <a:chOff x="0" y="0"/>
-          <a:chExt cx="0" cy="0"/>
-        </a:xfrm>
-      </p:grpSpPr>
-      <p:sp>
-        <p:nvSpPr>
-          <p:cNvPr id="2" name="Freeform 2"/>
-          <p:cNvSpPr/>
-          <p:nvPr/>
-        </p:nvSpPr>
-        <p:spPr>
-          <a:xfrm>
-            <a:off x="0" y="0"/>
-            <a:ext cx="18288000" cy="10287000"/>
-          </a:xfrm>
-          <a:custGeom>
-            <a:avLst/>
-            <a:gdLst/>
-            <a:ahLst/>
-            <a:cxnLst/>
-            <a:rect l="l" t="t" r="r" b="b"/>
-            <a:pathLst>
-              <a:path w="18288000" h="10287000">
-                <a:moveTo>
-                  <a:pt x="0" y="0"/>
-                </a:moveTo>
-                <a:lnTo>
-                  <a:pt x="18288000" y="0"/>
-                </a:lnTo>
-                <a:lnTo>
-                  <a:pt x="18288000" y="10287000"/>
-                </a:lnTo>
-                <a:lnTo>
-                  <a:pt x="0" y="10287000"/>
-                </a:lnTo>
-                <a:lnTo>
-                  <a:pt x="0" y="0"/>
-                </a:lnTo>
-                <a:close/>
-              </a:path>
-            </a:pathLst>
-          </a:custGeom>
-          <a:blipFill>
-            <a:blip r:embed="rId2"/>
-            <a:stretch>
-              <a:fillRect t="-38888" b="-38888"/>
-            </a:stretch>
-          </a:blipFill>
-        </p:spPr>
-        <p:txBody>
-          <a:bodyPr/>
-          <a:lstStyle/>
-          <a:p>
-            <a:endParaRPr lang="en-IN" sz="2400" dirty="0"/>
-          </a:p>
-        </p:txBody>
-      </p:sp>
-      <p:sp>
-        <p:nvSpPr>
-          <p:cNvPr id="9" name="TextBox 8">
-            <a:extLst>
-              <a:ext uri="{FF2B5EF4-FFF2-40B4-BE49-F238E27FC236}">
-                <a16:creationId xmlns:a16="http://schemas.microsoft.com/office/drawing/2014/main" id="{DF01F011-502B-4E9D-7613-FE90FBAAF750}"/>
-              </a:ext>
-            </a:extLst>
-          </p:cNvPr>
-          <p:cNvSpPr txBox="1"/>
-          <p:nvPr/>
-        </p:nvSpPr>
-        <p:spPr>
-          <a:xfrm>
-            <a:off x="1295400" y="876300"/>
-            <a:ext cx="15925800" cy="8325356"/>
-          </a:xfrm>
-          <a:prstGeom prst="rect">
-            <a:avLst/>
-          </a:prstGeom>
-          <a:noFill/>
-        </p:spPr>
-        <p:txBody>
-          <a:bodyPr wrap="square" rtlCol="0">
-            <a:spAutoFit/>
-          </a:bodyPr>
-          <a:lstStyle/>
-          <a:p>
-            <a:pPr marL="571500" indent="-571500">
-              <a:lnSpc>
-                <a:spcPct val="150000"/>
-              </a:lnSpc>
-              <a:buFont typeface="Arial" panose="020B0604020202020204" pitchFamily="34" charset="0"/>
-              <a:buChar char="•"/>
-            </a:pPr>
-            <a:r>
-              <a:rPr lang="en-IN" sz="4000" b="1" dirty="0">
-                <a:solidFill>
-                  <a:schemeClr val="bg1"/>
-                </a:solidFill>
-                <a:latin typeface="TT Octosquares Compressed" panose="020B0604020202020204" charset="0"/>
-              </a:rPr>
-              <a:t>Component Descriptions :(Each Component Has Been Used Only Once)</a:t>
-            </a:r>
-          </a:p>
-          <a:p>
-            <a:pPr lvl="1">
-              <a:lnSpc>
-                <a:spcPct val="150000"/>
-              </a:lnSpc>
-              <a:buFont typeface="+mj-lt"/>
-              <a:buAutoNum type="arabicPeriod"/>
-            </a:pPr>
-            <a:r>
-              <a:rPr lang="en-IN" sz="4000" b="1" dirty="0">
-                <a:solidFill>
-                  <a:schemeClr val="bg1"/>
-                </a:solidFill>
-                <a:latin typeface="TT Octosquares Compressed" panose="020B0604020202020204" charset="0"/>
-              </a:rPr>
-              <a:t>ESP32-S3 Dev Module</a:t>
-            </a:r>
-            <a:r>
-              <a:rPr lang="en-IN" sz="4000" dirty="0">
-                <a:solidFill>
-                  <a:schemeClr val="bg1"/>
-                </a:solidFill>
-                <a:latin typeface="TT Octosquares Compressed" panose="020B0604020202020204" charset="0"/>
-              </a:rPr>
-              <a:t> – Dual-core, Wi-Fi, Bluetooth 5, USB-OTG, 44 GPIOs, ADC, DAC, I2C, SPI.</a:t>
-            </a:r>
-          </a:p>
-          <a:p>
-            <a:pPr lvl="1">
-              <a:lnSpc>
-                <a:spcPct val="150000"/>
-              </a:lnSpc>
-              <a:buFont typeface="+mj-lt"/>
-              <a:buAutoNum type="arabicPeriod"/>
-            </a:pPr>
-            <a:r>
-              <a:rPr lang="en-IN" sz="4000" b="1" dirty="0">
-                <a:solidFill>
-                  <a:schemeClr val="bg1"/>
-                </a:solidFill>
-                <a:latin typeface="TT Octosquares Compressed" panose="020B0604020202020204" charset="0"/>
-              </a:rPr>
-              <a:t>MQ-135 Gas Sensor</a:t>
-            </a:r>
-            <a:r>
-              <a:rPr lang="en-IN" sz="4000" dirty="0">
-                <a:solidFill>
-                  <a:schemeClr val="bg1"/>
-                </a:solidFill>
-                <a:latin typeface="TT Octosquares Compressed" panose="020B0604020202020204" charset="0"/>
-              </a:rPr>
-              <a:t> – Detects gases, air quality, </a:t>
-            </a:r>
-            <a:r>
-              <a:rPr lang="en-IN" sz="4000" dirty="0" err="1">
-                <a:solidFill>
-                  <a:schemeClr val="bg1"/>
-                </a:solidFill>
-                <a:latin typeface="TT Octosquares Compressed" panose="020B0604020202020204" charset="0"/>
-              </a:rPr>
-              <a:t>analog</a:t>
-            </a:r>
-            <a:r>
-              <a:rPr lang="en-IN" sz="4000" dirty="0">
-                <a:solidFill>
-                  <a:schemeClr val="bg1"/>
-                </a:solidFill>
-                <a:latin typeface="TT Octosquares Compressed" panose="020B0604020202020204" charset="0"/>
-              </a:rPr>
-              <a:t> output, adjustable sensitivity, pollution monitoring.</a:t>
-            </a:r>
-          </a:p>
-          <a:p>
-            <a:pPr lvl="1">
-              <a:lnSpc>
-                <a:spcPct val="150000"/>
-              </a:lnSpc>
-              <a:buFont typeface="+mj-lt"/>
-              <a:buAutoNum type="arabicPeriod"/>
-            </a:pPr>
-            <a:r>
-              <a:rPr lang="en-IN" sz="4000" b="1" dirty="0">
-                <a:solidFill>
-                  <a:schemeClr val="bg1"/>
-                </a:solidFill>
-                <a:latin typeface="TT Octosquares Compressed" panose="020B0604020202020204" charset="0"/>
-              </a:rPr>
-              <a:t>Sound Sensor Module</a:t>
-            </a:r>
-            <a:r>
-              <a:rPr lang="en-IN" sz="4000" dirty="0">
-                <a:solidFill>
-                  <a:schemeClr val="bg1"/>
-                </a:solidFill>
-                <a:latin typeface="TT Octosquares Compressed" panose="020B0604020202020204" charset="0"/>
-              </a:rPr>
-              <a:t> – Detects noise, </a:t>
-            </a:r>
-            <a:r>
-              <a:rPr lang="en-IN" sz="4000" dirty="0" err="1">
-                <a:solidFill>
-                  <a:schemeClr val="bg1"/>
-                </a:solidFill>
-                <a:latin typeface="TT Octosquares Compressed" panose="020B0604020202020204" charset="0"/>
-              </a:rPr>
-              <a:t>analog</a:t>
-            </a:r>
-            <a:r>
-              <a:rPr lang="en-IN" sz="4000" dirty="0">
-                <a:solidFill>
-                  <a:schemeClr val="bg1"/>
-                </a:solidFill>
-                <a:latin typeface="TT Octosquares Compressed" panose="020B0604020202020204" charset="0"/>
-              </a:rPr>
-              <a:t>/digital output, microphone-based, adjustable sensitivity, audio applications.</a:t>
-            </a:r>
-          </a:p>
-          <a:p>
-            <a:pPr lvl="1">
-              <a:lnSpc>
-                <a:spcPct val="150000"/>
-              </a:lnSpc>
-              <a:buFont typeface="+mj-lt"/>
-              <a:buAutoNum type="arabicPeriod"/>
-            </a:pPr>
-            <a:r>
-              <a:rPr lang="en-IN" sz="4000" b="1" dirty="0">
-                <a:solidFill>
-                  <a:schemeClr val="bg1"/>
-                </a:solidFill>
-                <a:latin typeface="TT Octosquares Compressed" panose="020B0604020202020204" charset="0"/>
-              </a:rPr>
-              <a:t>Voltage Booster</a:t>
-            </a:r>
-            <a:r>
-              <a:rPr lang="en-IN" sz="4000" dirty="0">
-                <a:solidFill>
-                  <a:schemeClr val="bg1"/>
-                </a:solidFill>
-                <a:latin typeface="TT Octosquares Compressed" panose="020B0604020202020204" charset="0"/>
-              </a:rPr>
-              <a:t> – Steps up voltage, efficient, compact, DC-DC converter, battery-powered circuits.</a:t>
-            </a:r>
-          </a:p>
-          <a:p>
-            <a:pPr lvl="1">
-              <a:lnSpc>
-                <a:spcPct val="150000"/>
-              </a:lnSpc>
-              <a:buFont typeface="+mj-lt"/>
-              <a:buAutoNum type="arabicPeriod"/>
-            </a:pPr>
-            <a:r>
-              <a:rPr lang="en-IN" sz="4000" b="1" dirty="0">
-                <a:solidFill>
-                  <a:schemeClr val="bg1"/>
-                </a:solidFill>
-                <a:latin typeface="TT Octosquares Compressed" panose="020B0604020202020204" charset="0"/>
-              </a:rPr>
-              <a:t>Dust Sensor</a:t>
-            </a:r>
-            <a:r>
-              <a:rPr lang="en-IN" sz="4000" dirty="0">
-                <a:solidFill>
-                  <a:schemeClr val="bg1"/>
-                </a:solidFill>
-                <a:latin typeface="TT Octosquares Compressed" panose="020B0604020202020204" charset="0"/>
-              </a:rPr>
-              <a:t> – Detects dust, air quality monitoring, optical sensing, </a:t>
-            </a:r>
-            <a:r>
-              <a:rPr lang="en-IN" sz="4000" dirty="0" err="1">
-                <a:solidFill>
-                  <a:schemeClr val="bg1"/>
-                </a:solidFill>
-                <a:latin typeface="TT Octosquares Compressed" panose="020B0604020202020204" charset="0"/>
-              </a:rPr>
-              <a:t>analog</a:t>
-            </a:r>
-            <a:r>
-              <a:rPr lang="en-IN" sz="4000" dirty="0">
-                <a:solidFill>
-                  <a:schemeClr val="bg1"/>
-                </a:solidFill>
-                <a:latin typeface="TT Octosquares Compressed" panose="020B0604020202020204" charset="0"/>
-              </a:rPr>
-              <a:t> output, pollution control.</a:t>
-            </a:r>
-          </a:p>
-          <a:p>
-            <a:pPr>
-              <a:lnSpc>
-                <a:spcPct val="150000"/>
-              </a:lnSpc>
-            </a:pPr>
-            <a:endParaRPr lang="en-IN" sz="4000" dirty="0">
-              <a:solidFill>
-                <a:schemeClr val="bg1"/>
-              </a:solidFill>
-              <a:latin typeface="TT Octosquares Compressed" panose="020B0604020202020204" charset="0"/>
-            </a:endParaRPr>
-          </a:p>
-        </p:txBody>
-      </p:sp>
-    </p:spTree>
-  </p:cSld>
-  <p:clrMapOvr>
-    <a:masterClrMapping/>
-  </p:clrMapOvr>
-</p:sld>
-</file>
-
-<file path=ppt/slides/slide4.xml><?xml version="1.0" encoding="utf-8"?>
-<p:sld xmlns:a="http://schemas.openxmlformats.org/drawingml/2006/main" xmlns:r="http://schemas.openxmlformats.org/officeDocument/2006/relationships" xmlns:p="http://schemas.openxmlformats.org/presentationml/2006/main">
-  <p:cSld>
-    <p:spTree>
-      <p:nvGrpSpPr>
-        <p:cNvPr id="1" name=""/>
-        <p:cNvGrpSpPr/>
-        <p:nvPr/>
-      </p:nvGrpSpPr>
-      <p:grpSpPr>
-        <a:xfrm>
-          <a:off x="0" y="0"/>
-          <a:ext cx="0" cy="0"/>
-          <a:chOff x="0" y="0"/>
-          <a:chExt cx="0" cy="0"/>
-        </a:xfrm>
-      </p:grpSpPr>
-      <p:sp>
-        <p:nvSpPr>
-          <p:cNvPr id="2" name="Freeform 2"/>
-          <p:cNvSpPr/>
-          <p:nvPr/>
-        </p:nvSpPr>
-        <p:spPr>
-          <a:xfrm>
-            <a:off x="0" y="0"/>
-            <a:ext cx="18288000" cy="10287000"/>
-          </a:xfrm>
-          <a:custGeom>
-            <a:avLst/>
-            <a:gdLst/>
-            <a:ahLst/>
-            <a:cxnLst/>
-            <a:rect l="l" t="t" r="r" b="b"/>
-            <a:pathLst>
-              <a:path w="18288000" h="10287000">
-                <a:moveTo>
-                  <a:pt x="0" y="0"/>
-                </a:moveTo>
-                <a:lnTo>
-                  <a:pt x="18288000" y="0"/>
-                </a:lnTo>
-                <a:lnTo>
-                  <a:pt x="18288000" y="10287000"/>
-                </a:lnTo>
-                <a:lnTo>
-                  <a:pt x="0" y="10287000"/>
-                </a:lnTo>
-                <a:lnTo>
-                  <a:pt x="0" y="0"/>
-                </a:lnTo>
-                <a:close/>
-              </a:path>
-            </a:pathLst>
-          </a:custGeom>
-          <a:blipFill>
-            <a:blip r:embed="rId2"/>
-            <a:stretch>
-              <a:fillRect t="-38888" b="-38888"/>
-            </a:stretch>
-          </a:blipFill>
-        </p:spPr>
-        <p:txBody>
-          <a:bodyPr/>
-          <a:lstStyle/>
-          <a:p>
-            <a:endParaRPr lang="en-IN" dirty="0"/>
-          </a:p>
-        </p:txBody>
-      </p:sp>
-      <p:sp>
-        <p:nvSpPr>
-          <p:cNvPr id="3" name="TextBox 2">
-            <a:extLst>
-              <a:ext uri="{FF2B5EF4-FFF2-40B4-BE49-F238E27FC236}">
-                <a16:creationId xmlns:a16="http://schemas.microsoft.com/office/drawing/2014/main" id="{1A6A9DAA-6A84-238C-26AF-DD18CB647A46}"/>
-              </a:ext>
-            </a:extLst>
-          </p:cNvPr>
-          <p:cNvSpPr txBox="1"/>
-          <p:nvPr/>
-        </p:nvSpPr>
-        <p:spPr>
-          <a:xfrm>
-            <a:off x="1143000" y="1038314"/>
-            <a:ext cx="15697200" cy="9248686"/>
-          </a:xfrm>
-          <a:prstGeom prst="rect">
-            <a:avLst/>
-          </a:prstGeom>
-          <a:noFill/>
-        </p:spPr>
-        <p:txBody>
-          <a:bodyPr wrap="square" rtlCol="0">
-            <a:spAutoFit/>
-          </a:bodyPr>
-          <a:lstStyle/>
-          <a:p>
-            <a:pPr lvl="1">
-              <a:lnSpc>
-                <a:spcPct val="150000"/>
-              </a:lnSpc>
-            </a:pPr>
-            <a:r>
-              <a:rPr lang="en-IN" sz="4000" b="1" dirty="0">
-                <a:solidFill>
-                  <a:schemeClr val="bg1"/>
-                </a:solidFill>
-                <a:latin typeface="TT Octosquares Compressed" panose="020B0604020202020204" charset="0"/>
-              </a:rPr>
-              <a:t>6.Hall Effect Sensor</a:t>
-            </a:r>
-            <a:r>
-              <a:rPr lang="en-IN" sz="4000" dirty="0">
-                <a:solidFill>
-                  <a:schemeClr val="bg1"/>
-                </a:solidFill>
-                <a:latin typeface="TT Octosquares Compressed" panose="020B0604020202020204" charset="0"/>
-              </a:rPr>
-              <a:t> – Detects magnetic fields, contactless, digital/</a:t>
-            </a:r>
-            <a:r>
-              <a:rPr lang="en-IN" sz="4000" dirty="0" err="1">
-                <a:solidFill>
-                  <a:schemeClr val="bg1"/>
-                </a:solidFill>
-                <a:latin typeface="TT Octosquares Compressed" panose="020B0604020202020204" charset="0"/>
-              </a:rPr>
-              <a:t>analog</a:t>
-            </a:r>
-            <a:r>
-              <a:rPr lang="en-IN" sz="4000" dirty="0">
-                <a:solidFill>
-                  <a:schemeClr val="bg1"/>
-                </a:solidFill>
-                <a:latin typeface="TT Octosquares Compressed" panose="020B0604020202020204" charset="0"/>
-              </a:rPr>
-              <a:t> output, motor speed, proximity sensing.</a:t>
-            </a:r>
-          </a:p>
-          <a:p>
-            <a:pPr lvl="1">
-              <a:lnSpc>
-                <a:spcPct val="150000"/>
-              </a:lnSpc>
-            </a:pPr>
-            <a:r>
-              <a:rPr lang="en-IN" sz="4000" b="1" dirty="0">
-                <a:solidFill>
-                  <a:schemeClr val="bg1"/>
-                </a:solidFill>
-                <a:latin typeface="TT Octosquares Compressed" panose="020B0604020202020204" charset="0"/>
-              </a:rPr>
-              <a:t>7.MAX471 Current &amp; Voltage Sensor</a:t>
-            </a:r>
-            <a:r>
-              <a:rPr lang="en-IN" sz="4000" dirty="0">
-                <a:solidFill>
-                  <a:schemeClr val="bg1"/>
-                </a:solidFill>
-                <a:latin typeface="TT Octosquares Compressed" panose="020B0604020202020204" charset="0"/>
-              </a:rPr>
-              <a:t> – Measures voltage/current, bidirectional, high precision, </a:t>
-            </a:r>
-            <a:r>
-              <a:rPr lang="en-IN" sz="4000" dirty="0" err="1">
-                <a:solidFill>
-                  <a:schemeClr val="bg1"/>
-                </a:solidFill>
-                <a:latin typeface="TT Octosquares Compressed" panose="020B0604020202020204" charset="0"/>
-              </a:rPr>
-              <a:t>analog</a:t>
-            </a:r>
-            <a:r>
-              <a:rPr lang="en-IN" sz="4000" dirty="0">
-                <a:solidFill>
-                  <a:schemeClr val="bg1"/>
-                </a:solidFill>
-                <a:latin typeface="TT Octosquares Compressed" panose="020B0604020202020204" charset="0"/>
-              </a:rPr>
-              <a:t> output, power monitoring.</a:t>
-            </a:r>
-          </a:p>
-          <a:p>
-            <a:pPr lvl="1">
-              <a:lnSpc>
-                <a:spcPct val="150000"/>
-              </a:lnSpc>
-            </a:pPr>
-            <a:r>
-              <a:rPr lang="en-IN" sz="4000" b="1" dirty="0">
-                <a:solidFill>
-                  <a:schemeClr val="bg1"/>
-                </a:solidFill>
-                <a:latin typeface="TT Octosquares Compressed" panose="020B0604020202020204" charset="0"/>
-              </a:rPr>
-              <a:t>8.OLED Display</a:t>
-            </a:r>
-            <a:r>
-              <a:rPr lang="en-IN" sz="4000" dirty="0">
-                <a:solidFill>
-                  <a:schemeClr val="bg1"/>
-                </a:solidFill>
-                <a:latin typeface="TT Octosquares Compressed" panose="020B0604020202020204" charset="0"/>
-              </a:rPr>
-              <a:t> – Compact, high contrast, I2C/SPI interface, 128x64 pixels, low power consumption.</a:t>
-            </a:r>
-            <a:endParaRPr lang="en-US" altLang="en-US" sz="4000" b="1" dirty="0">
-              <a:solidFill>
-                <a:schemeClr val="bg1"/>
-              </a:solidFill>
-              <a:latin typeface="TT Octosquares Compressed" panose="020B0604020202020204" charset="0"/>
-            </a:endParaRPr>
-          </a:p>
-          <a:p>
-            <a:pPr lvl="1" eaLnBrk="0" fontAlgn="base" hangingPunct="0">
-              <a:lnSpc>
-                <a:spcPct val="150000"/>
-              </a:lnSpc>
-              <a:spcBef>
-                <a:spcPct val="0"/>
-              </a:spcBef>
-              <a:spcAft>
-                <a:spcPct val="0"/>
-              </a:spcAft>
-            </a:pPr>
-            <a:r>
-              <a:rPr lang="en-US" altLang="en-US" sz="4000" b="1" dirty="0">
-                <a:solidFill>
-                  <a:schemeClr val="bg1"/>
-                </a:solidFill>
-                <a:latin typeface="TT Octosquares Compressed" panose="020B0604020202020204" charset="0"/>
-              </a:rPr>
-              <a:t>9.BME280 Environmental Sensor</a:t>
-            </a:r>
-            <a:r>
-              <a:rPr lang="en-US" altLang="en-US" sz="4000" dirty="0">
-                <a:solidFill>
-                  <a:schemeClr val="bg1"/>
-                </a:solidFill>
-                <a:latin typeface="TT Octosquares Compressed" panose="020B0604020202020204" charset="0"/>
-              </a:rPr>
-              <a:t> – Measures temperature, humidity, pressure, I2C/SPI, weather monitoring, low power. </a:t>
-            </a:r>
-          </a:p>
-          <a:p>
-            <a:pPr lvl="1" eaLnBrk="0" fontAlgn="base" hangingPunct="0">
-              <a:lnSpc>
-                <a:spcPct val="150000"/>
-              </a:lnSpc>
-              <a:spcBef>
-                <a:spcPct val="0"/>
-              </a:spcBef>
-              <a:spcAft>
-                <a:spcPct val="0"/>
-              </a:spcAft>
-            </a:pPr>
-            <a:r>
-              <a:rPr lang="en-US" altLang="en-US" sz="4000" b="1" dirty="0">
-                <a:solidFill>
-                  <a:schemeClr val="bg1"/>
-                </a:solidFill>
-                <a:latin typeface="TT Octosquares Compressed" panose="020B0604020202020204" charset="0"/>
-              </a:rPr>
-              <a:t>10.Solar Panel</a:t>
-            </a:r>
-            <a:r>
-              <a:rPr lang="en-US" altLang="en-US" sz="4000" dirty="0">
-                <a:solidFill>
-                  <a:schemeClr val="bg1"/>
-                </a:solidFill>
-                <a:latin typeface="TT Octosquares Compressed" panose="020B0604020202020204" charset="0"/>
-              </a:rPr>
-              <a:t> – Converts sunlight, renewable energy, portable, efficient, powers small electronics, eco-friendly. </a:t>
-            </a:r>
-          </a:p>
-          <a:p>
-            <a:pPr>
-              <a:lnSpc>
-                <a:spcPct val="150000"/>
-              </a:lnSpc>
-            </a:pPr>
-            <a:endParaRPr lang="en-IN" sz="4000" dirty="0">
-              <a:latin typeface="TT Octosquares Compressed" panose="020B0604020202020204" charset="0"/>
-            </a:endParaRPr>
-          </a:p>
-        </p:txBody>
-      </p:sp>
-    </p:spTree>
-  </p:cSld>
-  <p:clrMapOvr>
-    <a:masterClrMapping/>
-  </p:clrMapOvr>
-</p:sld>
-</file>
-
-<file path=ppt/slides/slide5.xml><?xml version="1.0" encoding="utf-8"?>
-<p:sld xmlns:a="http://schemas.openxmlformats.org/drawingml/2006/main" xmlns:r="http://schemas.openxmlformats.org/officeDocument/2006/relationships" xmlns:p="http://schemas.openxmlformats.org/presentationml/2006/main">
-  <p:cSld>
-    <p:spTree>
-      <p:nvGrpSpPr>
-        <p:cNvPr id="1" name=""/>
-        <p:cNvGrpSpPr/>
-        <p:nvPr/>
-      </p:nvGrpSpPr>
-      <p:grpSpPr>
-        <a:xfrm>
-          <a:off x="0" y="0"/>
-          <a:ext cx="0" cy="0"/>
-          <a:chOff x="0" y="0"/>
-          <a:chExt cx="0" cy="0"/>
-        </a:xfrm>
-      </p:grpSpPr>
-      <p:sp>
-        <p:nvSpPr>
-          <p:cNvPr id="2" name="Freeform 2"/>
-          <p:cNvSpPr/>
-          <p:nvPr/>
-        </p:nvSpPr>
-        <p:spPr>
-          <a:xfrm>
-            <a:off x="22123" y="0"/>
-            <a:ext cx="18288000" cy="10287000"/>
-          </a:xfrm>
-          <a:custGeom>
-            <a:avLst/>
-            <a:gdLst/>
-            <a:ahLst/>
-            <a:cxnLst/>
-            <a:rect l="l" t="t" r="r" b="b"/>
-            <a:pathLst>
-              <a:path w="18288000" h="10287000">
-                <a:moveTo>
-                  <a:pt x="0" y="0"/>
-                </a:moveTo>
-                <a:lnTo>
-                  <a:pt x="18288000" y="0"/>
-                </a:lnTo>
-                <a:lnTo>
-                  <a:pt x="18288000" y="10287000"/>
-                </a:lnTo>
-                <a:lnTo>
-                  <a:pt x="0" y="10287000"/>
-                </a:lnTo>
-                <a:lnTo>
-                  <a:pt x="0" y="0"/>
-                </a:lnTo>
-                <a:close/>
-              </a:path>
-            </a:pathLst>
-          </a:custGeom>
-          <a:blipFill>
-            <a:blip r:embed="rId2"/>
-            <a:stretch>
-              <a:fillRect t="-38888" b="-38888"/>
-            </a:stretch>
-          </a:blipFill>
-        </p:spPr>
-        <p:txBody>
-          <a:bodyPr/>
-          <a:lstStyle/>
-          <a:p>
-            <a:endParaRPr lang="en-IN" dirty="0"/>
-          </a:p>
-        </p:txBody>
-      </p:sp>
-      <p:sp>
-        <p:nvSpPr>
-          <p:cNvPr id="3" name="TextBox 2">
-            <a:extLst>
-              <a:ext uri="{FF2B5EF4-FFF2-40B4-BE49-F238E27FC236}">
-                <a16:creationId xmlns:a16="http://schemas.microsoft.com/office/drawing/2014/main" id="{3C07D220-C9F7-57D0-4E1E-6790F3F02E30}"/>
-              </a:ext>
-            </a:extLst>
-          </p:cNvPr>
-          <p:cNvSpPr txBox="1"/>
-          <p:nvPr/>
-        </p:nvSpPr>
-        <p:spPr>
-          <a:xfrm>
-            <a:off x="1143000" y="1442487"/>
-            <a:ext cx="16383000" cy="8325356"/>
-          </a:xfrm>
-          <a:prstGeom prst="rect">
-            <a:avLst/>
-          </a:prstGeom>
-          <a:noFill/>
-        </p:spPr>
-        <p:txBody>
-          <a:bodyPr wrap="square" rtlCol="0">
-            <a:spAutoFit/>
-          </a:bodyPr>
-          <a:lstStyle/>
-          <a:p>
-            <a:pPr lvl="1" eaLnBrk="0" fontAlgn="base" hangingPunct="0">
-              <a:lnSpc>
-                <a:spcPct val="150000"/>
-              </a:lnSpc>
-              <a:spcBef>
-                <a:spcPct val="0"/>
-              </a:spcBef>
-              <a:spcAft>
-                <a:spcPct val="0"/>
-              </a:spcAft>
-            </a:pPr>
-            <a:r>
-              <a:rPr lang="en-US" altLang="en-US" sz="4000" b="1" dirty="0">
-                <a:solidFill>
-                  <a:schemeClr val="bg1"/>
-                </a:solidFill>
-                <a:latin typeface="TT Octosquares Compressed" panose="020B0604020202020204" charset="0"/>
-              </a:rPr>
-              <a:t>11.Rechargeable Module (TP4056)</a:t>
-            </a:r>
-            <a:r>
-              <a:rPr lang="en-US" altLang="en-US" sz="4000" dirty="0">
-                <a:solidFill>
-                  <a:schemeClr val="bg1"/>
-                </a:solidFill>
-                <a:latin typeface="TT Octosquares Compressed" panose="020B0604020202020204" charset="0"/>
-              </a:rPr>
-              <a:t> – Charges Li-ion batteries, 3.7V, overcharge protection, USB input, compact. </a:t>
-            </a:r>
-          </a:p>
-          <a:p>
-            <a:pPr lvl="1" eaLnBrk="0" fontAlgn="base" hangingPunct="0">
-              <a:lnSpc>
-                <a:spcPct val="150000"/>
-              </a:lnSpc>
-              <a:spcBef>
-                <a:spcPct val="0"/>
-              </a:spcBef>
-              <a:spcAft>
-                <a:spcPct val="0"/>
-              </a:spcAft>
-            </a:pPr>
-            <a:r>
-              <a:rPr lang="en-US" altLang="en-US" sz="4000" b="1" dirty="0">
-                <a:solidFill>
-                  <a:schemeClr val="bg1"/>
-                </a:solidFill>
-                <a:latin typeface="TT Octosquares Compressed" panose="020B0604020202020204" charset="0"/>
-              </a:rPr>
-              <a:t>12.IR Flame Sensor</a:t>
-            </a:r>
-            <a:r>
-              <a:rPr lang="en-US" altLang="en-US" sz="4000" dirty="0">
-                <a:solidFill>
-                  <a:schemeClr val="bg1"/>
-                </a:solidFill>
-                <a:latin typeface="TT Octosquares Compressed" panose="020B0604020202020204" charset="0"/>
-              </a:rPr>
-              <a:t> – Detects fire, infrared-based, digital/analog output, fast response, safety applications. </a:t>
-            </a:r>
-          </a:p>
-          <a:p>
-            <a:pPr lvl="1" eaLnBrk="0" fontAlgn="base" hangingPunct="0">
-              <a:lnSpc>
-                <a:spcPct val="150000"/>
-              </a:lnSpc>
-              <a:spcBef>
-                <a:spcPct val="0"/>
-              </a:spcBef>
-              <a:spcAft>
-                <a:spcPct val="0"/>
-              </a:spcAft>
-            </a:pPr>
-            <a:r>
-              <a:rPr lang="en-US" altLang="en-US" sz="4000" b="1" dirty="0">
-                <a:solidFill>
-                  <a:schemeClr val="bg1"/>
-                </a:solidFill>
-                <a:latin typeface="TT Octosquares Compressed" panose="020B0604020202020204" charset="0"/>
-              </a:rPr>
-              <a:t>13.Battery 3.7V 2500mAh (18650)</a:t>
-            </a:r>
-            <a:r>
-              <a:rPr lang="en-US" altLang="en-US" sz="4000" dirty="0">
-                <a:solidFill>
-                  <a:schemeClr val="bg1"/>
-                </a:solidFill>
-                <a:latin typeface="TT Octosquares Compressed" panose="020B0604020202020204" charset="0"/>
-              </a:rPr>
-              <a:t> – Rechargeable, lithium-ion, high capacity, 3.7V, portable, energy-efficient. </a:t>
-            </a:r>
-          </a:p>
-          <a:p>
-            <a:pPr lvl="1" eaLnBrk="0" fontAlgn="base" hangingPunct="0">
-              <a:lnSpc>
-                <a:spcPct val="150000"/>
-              </a:lnSpc>
-              <a:spcBef>
-                <a:spcPct val="0"/>
-              </a:spcBef>
-              <a:spcAft>
-                <a:spcPct val="0"/>
-              </a:spcAft>
-            </a:pPr>
-            <a:r>
-              <a:rPr lang="en-US" altLang="en-US" sz="4000" b="1" dirty="0">
-                <a:solidFill>
-                  <a:schemeClr val="bg1"/>
-                </a:solidFill>
-                <a:latin typeface="TT Octosquares Compressed" panose="020B0604020202020204" charset="0"/>
-              </a:rPr>
-              <a:t>14.Water Flow Sensor</a:t>
-            </a:r>
-            <a:r>
-              <a:rPr lang="en-US" altLang="en-US" sz="4000" dirty="0">
-                <a:solidFill>
-                  <a:schemeClr val="bg1"/>
-                </a:solidFill>
-                <a:latin typeface="TT Octosquares Compressed" panose="020B0604020202020204" charset="0"/>
-              </a:rPr>
-              <a:t> – Measures water flow, pulse output, plastic body, used in pipelines.</a:t>
-            </a:r>
-            <a:endParaRPr lang="en-US" altLang="en-US" sz="4000" b="1" dirty="0">
-              <a:solidFill>
-                <a:schemeClr val="bg1"/>
-              </a:solidFill>
-              <a:latin typeface="TT Octosquares Compressed" panose="020B0604020202020204" charset="0"/>
-            </a:endParaRPr>
-          </a:p>
-          <a:p>
-            <a:pPr lvl="1" eaLnBrk="0" fontAlgn="base" hangingPunct="0">
-              <a:lnSpc>
-                <a:spcPct val="150000"/>
-              </a:lnSpc>
-              <a:spcBef>
-                <a:spcPct val="0"/>
-              </a:spcBef>
-              <a:spcAft>
-                <a:spcPct val="0"/>
-              </a:spcAft>
-            </a:pPr>
-            <a:r>
-              <a:rPr lang="en-US" altLang="en-US" sz="4000" b="1" dirty="0">
-                <a:solidFill>
-                  <a:schemeClr val="bg1"/>
-                </a:solidFill>
-                <a:latin typeface="TT Octosquares Compressed" panose="020B0604020202020204" charset="0"/>
-              </a:rPr>
-              <a:t>15.DHT11 Temperature &amp; Humidity Sensor</a:t>
-            </a:r>
-            <a:r>
-              <a:rPr lang="en-US" altLang="en-US" sz="4000" dirty="0">
-                <a:solidFill>
-                  <a:schemeClr val="bg1"/>
-                </a:solidFill>
-                <a:latin typeface="TT Octosquares Compressed" panose="020B0604020202020204" charset="0"/>
-              </a:rPr>
-              <a:t> – Measures temperature/humidity, digital output, low-cost, I2C, weather monitoring. </a:t>
-            </a:r>
-          </a:p>
-        </p:txBody>
-      </p:sp>
-    </p:spTree>
-  </p:cSld>
-  <p:clrMapOvr>
-    <a:masterClrMapping/>
-  </p:clrMapOvr>
-</p:sld>
-</file>
-
-<file path=ppt/slides/slide6.xml><?xml version="1.0" encoding="utf-8"?>
-<p:sld xmlns:a="http://schemas.openxmlformats.org/drawingml/2006/main" xmlns:r="http://schemas.openxmlformats.org/officeDocument/2006/relationships" xmlns:p="http://schemas.openxmlformats.org/presentationml/2006/main">
-  <p:cSld>
-    <p:spTree>
-      <p:nvGrpSpPr>
-        <p:cNvPr id="1" name=""/>
-        <p:cNvGrpSpPr/>
-        <p:nvPr/>
-      </p:nvGrpSpPr>
-      <p:grpSpPr>
-        <a:xfrm>
-          <a:off x="0" y="0"/>
-          <a:ext cx="0" cy="0"/>
-          <a:chOff x="0" y="0"/>
-          <a:chExt cx="0" cy="0"/>
-        </a:xfrm>
-      </p:grpSpPr>
-      <p:sp>
-        <p:nvSpPr>
-          <p:cNvPr id="2" name="Freeform 2"/>
-          <p:cNvSpPr/>
-          <p:nvPr/>
-        </p:nvSpPr>
-        <p:spPr>
-          <a:xfrm>
-            <a:off x="2458" y="-25810"/>
-            <a:ext cx="18288000" cy="10287000"/>
-          </a:xfrm>
-          <a:custGeom>
-            <a:avLst/>
-            <a:gdLst/>
-            <a:ahLst/>
-            <a:cxnLst/>
-            <a:rect l="l" t="t" r="r" b="b"/>
-            <a:pathLst>
-              <a:path w="18288000" h="10287000">
-                <a:moveTo>
-                  <a:pt x="0" y="0"/>
-                </a:moveTo>
-                <a:lnTo>
-                  <a:pt x="18288000" y="0"/>
-                </a:lnTo>
-                <a:lnTo>
-                  <a:pt x="18288000" y="10287000"/>
-                </a:lnTo>
-                <a:lnTo>
-                  <a:pt x="0" y="10287000"/>
-                </a:lnTo>
-                <a:lnTo>
-                  <a:pt x="0" y="0"/>
-                </a:lnTo>
-                <a:close/>
-              </a:path>
-            </a:pathLst>
-          </a:custGeom>
-          <a:blipFill>
-            <a:blip r:embed="rId2"/>
-            <a:stretch>
-              <a:fillRect t="-38888" b="-38888"/>
-            </a:stretch>
-          </a:blipFill>
-        </p:spPr>
-      </p:sp>
-      <p:sp>
-        <p:nvSpPr>
-          <p:cNvPr id="3" name="TextBox 2">
-            <a:extLst>
-              <a:ext uri="{FF2B5EF4-FFF2-40B4-BE49-F238E27FC236}">
-                <a16:creationId xmlns:a16="http://schemas.microsoft.com/office/drawing/2014/main" id="{45771DB8-3315-E7FF-E02D-74EF4C14BFBD}"/>
-              </a:ext>
-            </a:extLst>
-          </p:cNvPr>
-          <p:cNvSpPr txBox="1"/>
-          <p:nvPr/>
-        </p:nvSpPr>
-        <p:spPr>
-          <a:xfrm>
-            <a:off x="1295400" y="1638300"/>
-            <a:ext cx="15392400" cy="7402026"/>
-          </a:xfrm>
-          <a:prstGeom prst="rect">
-            <a:avLst/>
-          </a:prstGeom>
-          <a:noFill/>
-        </p:spPr>
-        <p:txBody>
-          <a:bodyPr wrap="square" rtlCol="0">
-            <a:spAutoFit/>
-          </a:bodyPr>
-          <a:lstStyle/>
-          <a:p>
-            <a:pPr lvl="1" eaLnBrk="0" fontAlgn="base" hangingPunct="0">
-              <a:lnSpc>
-                <a:spcPct val="150000"/>
-              </a:lnSpc>
-              <a:spcBef>
-                <a:spcPct val="0"/>
-              </a:spcBef>
-              <a:spcAft>
-                <a:spcPct val="0"/>
-              </a:spcAft>
-            </a:pPr>
-            <a:r>
-              <a:rPr lang="en-US" altLang="en-US" sz="4000" b="1" dirty="0">
-                <a:solidFill>
-                  <a:schemeClr val="bg1"/>
-                </a:solidFill>
-                <a:latin typeface="TT Octosquares Compressed" panose="020B0604020202020204" charset="0"/>
-              </a:rPr>
-              <a:t>16.Soil Moisture Sensor</a:t>
-            </a:r>
-            <a:r>
-              <a:rPr lang="en-US" altLang="en-US" sz="4000" dirty="0">
-                <a:solidFill>
-                  <a:schemeClr val="bg1"/>
-                </a:solidFill>
-                <a:latin typeface="TT Octosquares Compressed" panose="020B0604020202020204" charset="0"/>
-              </a:rPr>
-              <a:t> – Detects soil moisture, analog/digital output, agriculture, irrigation systems, plant monitoring. </a:t>
-            </a:r>
-            <a:endParaRPr lang="en-US" altLang="en-US" sz="4000" b="1" dirty="0">
-              <a:solidFill>
-                <a:schemeClr val="bg1"/>
-              </a:solidFill>
-              <a:latin typeface="TT Octosquares Compressed" panose="020B0604020202020204" charset="0"/>
-            </a:endParaRPr>
-          </a:p>
-          <a:p>
-            <a:pPr lvl="1" eaLnBrk="0" fontAlgn="base" hangingPunct="0">
-              <a:lnSpc>
-                <a:spcPct val="150000"/>
-              </a:lnSpc>
-              <a:spcBef>
-                <a:spcPct val="0"/>
-              </a:spcBef>
-              <a:spcAft>
-                <a:spcPct val="0"/>
-              </a:spcAft>
-            </a:pPr>
-            <a:r>
-              <a:rPr lang="en-US" altLang="en-US" sz="4000" b="1" dirty="0">
-                <a:solidFill>
-                  <a:schemeClr val="bg1"/>
-                </a:solidFill>
-                <a:latin typeface="TT Octosquares Compressed" panose="020B0604020202020204" charset="0"/>
-              </a:rPr>
-              <a:t>17.Relay Module</a:t>
-            </a:r>
-            <a:r>
-              <a:rPr lang="en-US" altLang="en-US" sz="4000" dirty="0">
-                <a:solidFill>
-                  <a:schemeClr val="bg1"/>
-                </a:solidFill>
-                <a:latin typeface="TT Octosquares Compressed" panose="020B0604020202020204" charset="0"/>
-              </a:rPr>
-              <a:t> – Switches high-power devices, electrically isolated, microcontroller compatible, automation, safety. </a:t>
-            </a:r>
-          </a:p>
-          <a:p>
-            <a:pPr lvl="1" eaLnBrk="0" fontAlgn="base" hangingPunct="0">
-              <a:lnSpc>
-                <a:spcPct val="150000"/>
-              </a:lnSpc>
-              <a:spcBef>
-                <a:spcPct val="0"/>
-              </a:spcBef>
-              <a:spcAft>
-                <a:spcPct val="0"/>
-              </a:spcAft>
-            </a:pPr>
-            <a:r>
-              <a:rPr lang="en-US" altLang="en-US" sz="4000" b="1" dirty="0">
-                <a:solidFill>
-                  <a:schemeClr val="bg1"/>
-                </a:solidFill>
-                <a:latin typeface="TT Octosquares Compressed" panose="020B0604020202020204" charset="0"/>
-              </a:rPr>
-              <a:t>18.Rain Sensor</a:t>
-            </a:r>
-            <a:r>
-              <a:rPr lang="en-US" altLang="en-US" sz="4000" dirty="0">
-                <a:solidFill>
-                  <a:schemeClr val="bg1"/>
-                </a:solidFill>
-                <a:latin typeface="TT Octosquares Compressed" panose="020B0604020202020204" charset="0"/>
-              </a:rPr>
-              <a:t> – Detects rain, analog/digital output, weather monitoring, smart irrigation, waterproof. </a:t>
-            </a:r>
-          </a:p>
-          <a:p>
-            <a:pPr lvl="1" eaLnBrk="0" fontAlgn="base" hangingPunct="0">
-              <a:lnSpc>
-                <a:spcPct val="150000"/>
-              </a:lnSpc>
-              <a:spcBef>
-                <a:spcPct val="0"/>
-              </a:spcBef>
-              <a:spcAft>
-                <a:spcPct val="0"/>
-              </a:spcAft>
-            </a:pPr>
-            <a:r>
-              <a:rPr lang="en-US" altLang="en-US" sz="4000" b="1" dirty="0">
-                <a:solidFill>
-                  <a:schemeClr val="bg1"/>
-                </a:solidFill>
-                <a:latin typeface="TT Octosquares Compressed" panose="020B0604020202020204" charset="0"/>
-              </a:rPr>
-              <a:t>19.RTC DS3231 Module</a:t>
-            </a:r>
-            <a:r>
-              <a:rPr lang="en-US" altLang="en-US" sz="4000" dirty="0">
-                <a:solidFill>
-                  <a:schemeClr val="bg1"/>
-                </a:solidFill>
-                <a:latin typeface="TT Octosquares Compressed" panose="020B0604020202020204" charset="0"/>
-              </a:rPr>
-              <a:t> – Real-time clock, highly accurate, I2C, battery-backed, temperature compensated, low power. </a:t>
-            </a:r>
-          </a:p>
-        </p:txBody>
-      </p:sp>
-    </p:spTree>
-  </p:cSld>
-  <p:clrMapOvr>
-    <a:masterClrMapping/>
-  </p:clrMapOvr>
-</p:sld>
-</file>
-
-<file path=ppt/slides/slide7.xml><?xml version="1.0" encoding="utf-8"?>
-<p:sld xmlns:a="http://schemas.openxmlformats.org/drawingml/2006/main" xmlns:r="http://schemas.openxmlformats.org/officeDocument/2006/relationships" xmlns:p="http://schemas.openxmlformats.org/presentationml/2006/main">
-  <p:cSld>
-    <p:spTree>
-      <p:nvGrpSpPr>
-        <p:cNvPr id="1" name=""/>
-        <p:cNvGrpSpPr/>
-        <p:nvPr/>
-      </p:nvGrpSpPr>
-      <p:grpSpPr>
-        <a:xfrm>
-          <a:off x="0" y="0"/>
-          <a:ext cx="0" cy="0"/>
-          <a:chOff x="0" y="0"/>
-          <a:chExt cx="0" cy="0"/>
-        </a:xfrm>
-      </p:grpSpPr>
-      <p:sp>
-        <p:nvSpPr>
-          <p:cNvPr id="2" name="Freeform 2"/>
-          <p:cNvSpPr/>
-          <p:nvPr/>
-        </p:nvSpPr>
-        <p:spPr>
-          <a:xfrm>
-            <a:off x="0" y="0"/>
-            <a:ext cx="18288000" cy="10287000"/>
-          </a:xfrm>
-          <a:custGeom>
-            <a:avLst/>
-            <a:gdLst/>
-            <a:ahLst/>
-            <a:cxnLst/>
-            <a:rect l="l" t="t" r="r" b="b"/>
-            <a:pathLst>
-              <a:path w="18288000" h="10287000">
-                <a:moveTo>
-                  <a:pt x="0" y="0"/>
-                </a:moveTo>
-                <a:lnTo>
-                  <a:pt x="18288000" y="0"/>
-                </a:lnTo>
-                <a:lnTo>
-                  <a:pt x="18288000" y="10287000"/>
-                </a:lnTo>
-                <a:lnTo>
-                  <a:pt x="0" y="10287000"/>
-                </a:lnTo>
-                <a:lnTo>
-                  <a:pt x="0" y="0"/>
-                </a:lnTo>
-                <a:close/>
-              </a:path>
-            </a:pathLst>
-          </a:custGeom>
-          <a:blipFill>
-            <a:blip r:embed="rId2"/>
-            <a:stretch>
-              <a:fillRect t="-38888" b="-38888"/>
-            </a:stretch>
-          </a:blipFill>
-        </p:spPr>
-        <p:txBody>
-          <a:bodyPr/>
-          <a:lstStyle/>
-          <a:p>
-            <a:endParaRPr lang="en-IN" dirty="0"/>
-          </a:p>
-        </p:txBody>
-      </p:sp>
-      <p:sp>
-        <p:nvSpPr>
-          <p:cNvPr id="3" name="TextBox 2">
-            <a:extLst>
-              <a:ext uri="{FF2B5EF4-FFF2-40B4-BE49-F238E27FC236}">
-                <a16:creationId xmlns:a16="http://schemas.microsoft.com/office/drawing/2014/main" id="{FABA2CFE-5AB4-B04F-A845-6D2052EE1D3C}"/>
-              </a:ext>
-            </a:extLst>
-          </p:cNvPr>
-          <p:cNvSpPr txBox="1"/>
-          <p:nvPr/>
-        </p:nvSpPr>
-        <p:spPr>
-          <a:xfrm>
-            <a:off x="685800" y="495300"/>
-            <a:ext cx="16764000" cy="646331"/>
-          </a:xfrm>
-          <a:prstGeom prst="rect">
-            <a:avLst/>
-          </a:prstGeom>
-          <a:noFill/>
-        </p:spPr>
-        <p:txBody>
-          <a:bodyPr wrap="square" rtlCol="0">
-            <a:spAutoFit/>
-          </a:bodyPr>
-          <a:lstStyle/>
-          <a:p>
-            <a:r>
-              <a:rPr lang="en-US" sz="3600" dirty="0">
-                <a:solidFill>
-                  <a:schemeClr val="bg1"/>
-                </a:solidFill>
-                <a:latin typeface="TT Octosquares Compressed" panose="020B0604020202020204" charset="0"/>
-              </a:rPr>
-              <a:t>SCHEMATIC DIAGRRAM:</a:t>
-            </a:r>
-            <a:endParaRPr lang="en-IN" sz="3600" dirty="0">
-              <a:solidFill>
-                <a:schemeClr val="bg1"/>
-              </a:solidFill>
-              <a:latin typeface="TT Octosquares Compressed" panose="020B0604020202020204" charset="0"/>
-            </a:endParaRPr>
-          </a:p>
-        </p:txBody>
-      </p:sp>
-      <p:pic>
-        <p:nvPicPr>
-          <p:cNvPr id="6" name="Picture 5">
-            <a:extLst>
-              <a:ext uri="{FF2B5EF4-FFF2-40B4-BE49-F238E27FC236}">
-                <a16:creationId xmlns:a16="http://schemas.microsoft.com/office/drawing/2014/main" id="{7183F502-F9F1-6BEE-0E03-71E016023153}"/>
-              </a:ext>
-            </a:extLst>
-          </p:cNvPr>
-          <p:cNvPicPr>
-            <a:picLocks noChangeAspect="1"/>
-          </p:cNvPicPr>
-          <p:nvPr/>
-        </p:nvPicPr>
-        <p:blipFill>
-          <a:blip r:embed="rId3"/>
-          <a:stretch>
-            <a:fillRect/>
-          </a:stretch>
-        </p:blipFill>
-        <p:spPr>
-          <a:xfrm>
-            <a:off x="2533004" y="1288584"/>
-            <a:ext cx="12249796" cy="8506803"/>
-          </a:xfrm>
-          <a:prstGeom prst="rect">
-            <a:avLst/>
-          </a:prstGeom>
-        </p:spPr>
-      </p:pic>
-    </p:spTree>
-  </p:cSld>
-  <p:clrMapOvr>
-    <a:masterClrMapping/>
-  </p:clrMapOvr>
-</p:sld>
-</file>
-
-<file path=ppt/slides/slide8.xml><?xml version="1.0" encoding="utf-8"?>
-<p:sld xmlns:a="http://schemas.openxmlformats.org/drawingml/2006/main" xmlns:r="http://schemas.openxmlformats.org/officeDocument/2006/relationships" xmlns:p="http://schemas.openxmlformats.org/presentationml/2006/main">
-  <p:cSld>
-    <p:spTree>
-      <p:nvGrpSpPr>
-        <p:cNvPr id="1" name=""/>
-        <p:cNvGrpSpPr/>
-        <p:nvPr/>
-      </p:nvGrpSpPr>
-      <p:grpSpPr>
-        <a:xfrm>
-          <a:off x="0" y="0"/>
-          <a:ext cx="0" cy="0"/>
-          <a:chOff x="0" y="0"/>
-          <a:chExt cx="0" cy="0"/>
-        </a:xfrm>
-      </p:grpSpPr>
-      <p:sp>
-        <p:nvSpPr>
-          <p:cNvPr id="2" name="Freeform 2"/>
-          <p:cNvSpPr/>
-          <p:nvPr/>
-        </p:nvSpPr>
-        <p:spPr>
-          <a:xfrm>
-            <a:off x="0" y="-23352"/>
-            <a:ext cx="18288000" cy="10287000"/>
-          </a:xfrm>
-          <a:custGeom>
-            <a:avLst/>
-            <a:gdLst/>
-            <a:ahLst/>
-            <a:cxnLst/>
-            <a:rect l="l" t="t" r="r" b="b"/>
-            <a:pathLst>
-              <a:path w="18288000" h="10287000">
-                <a:moveTo>
-                  <a:pt x="0" y="0"/>
-                </a:moveTo>
-                <a:lnTo>
-                  <a:pt x="18288000" y="0"/>
-                </a:lnTo>
-                <a:lnTo>
-                  <a:pt x="18288000" y="10287000"/>
-                </a:lnTo>
-                <a:lnTo>
-                  <a:pt x="0" y="10287000"/>
-                </a:lnTo>
-                <a:lnTo>
-                  <a:pt x="0" y="0"/>
-                </a:lnTo>
-                <a:close/>
-              </a:path>
-            </a:pathLst>
-          </a:custGeom>
-          <a:blipFill>
-            <a:blip r:embed="rId2"/>
-            <a:stretch>
-              <a:fillRect t="-38888" b="-38888"/>
-            </a:stretch>
-          </a:blipFill>
-        </p:spPr>
-      </p:sp>
-      <p:sp>
-        <p:nvSpPr>
-          <p:cNvPr id="3" name="TextBox 2">
-            <a:extLst>
-              <a:ext uri="{FF2B5EF4-FFF2-40B4-BE49-F238E27FC236}">
-                <a16:creationId xmlns:a16="http://schemas.microsoft.com/office/drawing/2014/main" id="{C18E08FF-2D5A-0B86-B073-50801ED04401}"/>
-              </a:ext>
-            </a:extLst>
-          </p:cNvPr>
-          <p:cNvSpPr txBox="1"/>
-          <p:nvPr/>
-        </p:nvSpPr>
-        <p:spPr>
-          <a:xfrm>
-            <a:off x="609600" y="495300"/>
-            <a:ext cx="16916400" cy="707886"/>
-          </a:xfrm>
-          <a:prstGeom prst="rect">
-            <a:avLst/>
-          </a:prstGeom>
-          <a:noFill/>
-        </p:spPr>
-        <p:txBody>
-          <a:bodyPr wrap="square" rtlCol="0">
-            <a:spAutoFit/>
-          </a:bodyPr>
-          <a:lstStyle/>
-          <a:p>
-            <a:r>
-              <a:rPr lang="en-US" sz="4000" dirty="0">
-                <a:solidFill>
-                  <a:schemeClr val="bg1"/>
-                </a:solidFill>
-                <a:latin typeface="TT Octosquares Compressed" panose="020B0604020202020204" charset="0"/>
-              </a:rPr>
-              <a:t>PCB DIAGRAM:</a:t>
-            </a:r>
-            <a:endParaRPr lang="en-IN" sz="4000" dirty="0">
-              <a:solidFill>
-                <a:schemeClr val="bg1"/>
-              </a:solidFill>
-              <a:latin typeface="TT Octosquares Compressed" panose="020B0604020202020204" charset="0"/>
-            </a:endParaRPr>
-          </a:p>
-        </p:txBody>
-      </p:sp>
-      <p:pic>
-        <p:nvPicPr>
-          <p:cNvPr id="5" name="Picture 4">
-            <a:extLst>
-              <a:ext uri="{FF2B5EF4-FFF2-40B4-BE49-F238E27FC236}">
-                <a16:creationId xmlns:a16="http://schemas.microsoft.com/office/drawing/2014/main" id="{1FAB796F-A092-05AA-238F-6A66E5CFC7CE}"/>
-              </a:ext>
-            </a:extLst>
-          </p:cNvPr>
-          <p:cNvPicPr>
-            <a:picLocks noChangeAspect="1"/>
-          </p:cNvPicPr>
-          <p:nvPr/>
-        </p:nvPicPr>
-        <p:blipFill>
-          <a:blip r:embed="rId3"/>
-          <a:stretch>
-            <a:fillRect/>
-          </a:stretch>
-        </p:blipFill>
-        <p:spPr>
-          <a:xfrm>
-            <a:off x="2057400" y="1390243"/>
-            <a:ext cx="12368811" cy="8401457"/>
-          </a:xfrm>
-          <a:prstGeom prst="rect">
-            <a:avLst/>
-          </a:prstGeom>
-        </p:spPr>
-      </p:pic>
-    </p:spTree>
-  </p:cSld>
-  <p:clrMapOvr>
-    <a:masterClrMapping/>
-  </p:clrMapOvr>
-</p:sld>
-</file>
-
-<file path=ppt/slides/slide9.xml><?xml version="1.0" encoding="utf-8"?>
+<file path=ppt/slides/slide11.xml><?xml version="1.0" encoding="utf-8"?>
 <p:sld xmlns:a="http://schemas.openxmlformats.org/drawingml/2006/main" xmlns:r="http://schemas.openxmlformats.org/officeDocument/2006/relationships" xmlns:p="http://schemas.openxmlformats.org/presentationml/2006/main">
   <p:cSld>
     <p:spTree>
@@ -6111,6 +4937,2522 @@
         </p:spPr>
       </p:sp>
     </p:spTree>
+  </p:cSld>
+  <p:clrMapOvr>
+    <a:masterClrMapping/>
+  </p:clrMapOvr>
+</p:sld>
+</file>
+
+<file path=ppt/slides/slide2.xml><?xml version="1.0" encoding="utf-8"?>
+<p:sld xmlns:a="http://schemas.openxmlformats.org/drawingml/2006/main" xmlns:r="http://schemas.openxmlformats.org/officeDocument/2006/relationships" xmlns:p="http://schemas.openxmlformats.org/presentationml/2006/main">
+  <p:cSld>
+    <p:spTree>
+      <p:nvGrpSpPr>
+        <p:cNvPr id="1" name=""/>
+        <p:cNvGrpSpPr/>
+        <p:nvPr/>
+      </p:nvGrpSpPr>
+      <p:grpSpPr>
+        <a:xfrm>
+          <a:off x="0" y="0"/>
+          <a:ext cx="0" cy="0"/>
+          <a:chOff x="0" y="0"/>
+          <a:chExt cx="0" cy="0"/>
+        </a:xfrm>
+      </p:grpSpPr>
+      <p:sp>
+        <p:nvSpPr>
+          <p:cNvPr id="2" name="Freeform 2"/>
+          <p:cNvSpPr/>
+          <p:nvPr/>
+        </p:nvSpPr>
+        <p:spPr>
+          <a:xfrm>
+            <a:off x="0" y="0"/>
+            <a:ext cx="18288000" cy="10287000"/>
+          </a:xfrm>
+          <a:custGeom>
+            <a:avLst/>
+            <a:gdLst/>
+            <a:ahLst/>
+            <a:cxnLst/>
+            <a:rect l="l" t="t" r="r" b="b"/>
+            <a:pathLst>
+              <a:path w="18288000" h="10287000">
+                <a:moveTo>
+                  <a:pt x="0" y="0"/>
+                </a:moveTo>
+                <a:lnTo>
+                  <a:pt x="18288000" y="0"/>
+                </a:lnTo>
+                <a:lnTo>
+                  <a:pt x="18288000" y="10287000"/>
+                </a:lnTo>
+                <a:lnTo>
+                  <a:pt x="0" y="10287000"/>
+                </a:lnTo>
+                <a:lnTo>
+                  <a:pt x="0" y="0"/>
+                </a:lnTo>
+                <a:close/>
+              </a:path>
+            </a:pathLst>
+          </a:custGeom>
+          <a:blipFill>
+            <a:blip r:embed="rId2"/>
+            <a:stretch>
+              <a:fillRect t="-38888" b="-38888"/>
+            </a:stretch>
+          </a:blipFill>
+        </p:spPr>
+      </p:sp>
+      <p:sp>
+        <p:nvSpPr>
+          <p:cNvPr id="3" name="TextBox 2">
+            <a:extLst>
+              <a:ext uri="{FF2B5EF4-FFF2-40B4-BE49-F238E27FC236}">
+                <a16:creationId xmlns:a16="http://schemas.microsoft.com/office/drawing/2014/main" id="{2A272C9E-B303-F2B1-C524-73F6AA3291D3}"/>
+              </a:ext>
+            </a:extLst>
+          </p:cNvPr>
+          <p:cNvSpPr txBox="1"/>
+          <p:nvPr/>
+        </p:nvSpPr>
+        <p:spPr>
+          <a:xfrm>
+            <a:off x="1447800" y="902110"/>
+            <a:ext cx="15163800" cy="7478970"/>
+          </a:xfrm>
+          <a:prstGeom prst="rect">
+            <a:avLst/>
+          </a:prstGeom>
+          <a:noFill/>
+        </p:spPr>
+        <p:txBody>
+          <a:bodyPr wrap="square" rtlCol="0">
+            <a:spAutoFit/>
+          </a:bodyPr>
+          <a:lstStyle/>
+          <a:p>
+            <a:pPr algn="ctr"/>
+            <a:r>
+              <a:rPr lang="en-US" sz="4800" b="1" dirty="0">
+                <a:solidFill>
+                  <a:schemeClr val="bg1"/>
+                </a:solidFill>
+                <a:latin typeface="TT Octosquares Compressed" panose="020B0604020202020204" charset="0"/>
+                <a:cs typeface="Times New Roman" panose="02020603050405020304" pitchFamily="18" charset="0"/>
+              </a:rPr>
+              <a:t>TEAM NAME:</a:t>
+            </a:r>
+            <a:r>
+              <a:rPr lang="en-IN" sz="4800" b="1" dirty="0">
+                <a:solidFill>
+                  <a:schemeClr val="bg1"/>
+                </a:solidFill>
+                <a:latin typeface="TT Octosquares Compressed" panose="020B0604020202020204" charset="0"/>
+                <a:cs typeface="Times New Roman" panose="02020603050405020304" pitchFamily="18" charset="0"/>
+              </a:rPr>
+              <a:t>  </a:t>
+            </a:r>
+            <a:r>
+              <a:rPr lang="en-IN" sz="4800" b="1" dirty="0" err="1">
+                <a:solidFill>
+                  <a:schemeClr val="bg1"/>
+                </a:solidFill>
+                <a:latin typeface="TT Octosquares Compressed" panose="020B0604020202020204" charset="0"/>
+                <a:cs typeface="Times New Roman" panose="02020603050405020304" pitchFamily="18" charset="0"/>
+              </a:rPr>
+              <a:t>CodeWarriorZ</a:t>
+            </a:r>
+            <a:endParaRPr lang="en-IN" sz="4800" b="1" dirty="0">
+              <a:solidFill>
+                <a:schemeClr val="bg1"/>
+              </a:solidFill>
+              <a:latin typeface="TT Octosquares Compressed" panose="020B0604020202020204" charset="0"/>
+              <a:cs typeface="Times New Roman" panose="02020603050405020304" pitchFamily="18" charset="0"/>
+            </a:endParaRPr>
+          </a:p>
+          <a:p>
+            <a:pPr algn="ctr"/>
+            <a:endParaRPr lang="en-IN" sz="4800" b="1" dirty="0">
+              <a:solidFill>
+                <a:schemeClr val="bg1"/>
+              </a:solidFill>
+              <a:latin typeface="TT Octosquares Compressed" panose="020B0604020202020204" charset="0"/>
+              <a:cs typeface="Times New Roman" panose="02020603050405020304" pitchFamily="18" charset="0"/>
+            </a:endParaRPr>
+          </a:p>
+          <a:p>
+            <a:pPr algn="ctr"/>
+            <a:r>
+              <a:rPr lang="en-IN" sz="4800" b="1" dirty="0">
+                <a:solidFill>
+                  <a:schemeClr val="bg1"/>
+                </a:solidFill>
+                <a:latin typeface="TT Octosquares Compressed" panose="020B0604020202020204" charset="0"/>
+                <a:cs typeface="Times New Roman" panose="02020603050405020304" pitchFamily="18" charset="0"/>
+              </a:rPr>
+              <a:t>Members:</a:t>
+            </a:r>
+          </a:p>
+          <a:p>
+            <a:pPr algn="ctr"/>
+            <a:r>
+              <a:rPr lang="en-IN" sz="4800" b="1" dirty="0">
+                <a:solidFill>
+                  <a:schemeClr val="bg1"/>
+                </a:solidFill>
+                <a:latin typeface="TT Octosquares Compressed" panose="020B0604020202020204" charset="0"/>
+                <a:cs typeface="Times New Roman" panose="02020603050405020304" pitchFamily="18" charset="0"/>
+              </a:rPr>
+              <a:t> 1. Deepak Mehta</a:t>
+            </a:r>
+          </a:p>
+          <a:p>
+            <a:pPr algn="ctr"/>
+            <a:r>
+              <a:rPr lang="en-IN" sz="4800" b="1" dirty="0">
+                <a:solidFill>
+                  <a:schemeClr val="bg1"/>
+                </a:solidFill>
+                <a:latin typeface="TT Octosquares Compressed" panose="020B0604020202020204" charset="0"/>
+                <a:cs typeface="Times New Roman" panose="02020603050405020304" pitchFamily="18" charset="0"/>
+              </a:rPr>
+              <a:t> 2. Karan Mondal</a:t>
+            </a:r>
+          </a:p>
+          <a:p>
+            <a:pPr algn="ctr"/>
+            <a:r>
+              <a:rPr lang="en-IN" sz="4800" b="1" dirty="0">
+                <a:solidFill>
+                  <a:schemeClr val="bg1"/>
+                </a:solidFill>
+                <a:latin typeface="TT Octosquares Compressed" panose="020B0604020202020204" charset="0"/>
+                <a:cs typeface="Times New Roman" panose="02020603050405020304" pitchFamily="18" charset="0"/>
+              </a:rPr>
+              <a:t>3. Rishabh Dave</a:t>
+            </a:r>
+          </a:p>
+          <a:p>
+            <a:pPr algn="ctr"/>
+            <a:r>
+              <a:rPr lang="en-IN" sz="4800" b="1" dirty="0">
+                <a:solidFill>
+                  <a:schemeClr val="bg1"/>
+                </a:solidFill>
+                <a:latin typeface="TT Octosquares Compressed" panose="020B0604020202020204" charset="0"/>
+                <a:cs typeface="Times New Roman" panose="02020603050405020304" pitchFamily="18" charset="0"/>
+              </a:rPr>
+              <a:t>    4. Prashant Sharma</a:t>
+            </a:r>
+          </a:p>
+          <a:p>
+            <a:pPr algn="ctr"/>
+            <a:endParaRPr lang="en-IN" sz="4800" b="1" dirty="0">
+              <a:solidFill>
+                <a:schemeClr val="bg1"/>
+              </a:solidFill>
+              <a:latin typeface="TT Octosquares Compressed" panose="020B0604020202020204" charset="0"/>
+              <a:cs typeface="Times New Roman" panose="02020603050405020304" pitchFamily="18" charset="0"/>
+            </a:endParaRPr>
+          </a:p>
+          <a:p>
+            <a:pPr algn="ctr"/>
+            <a:r>
+              <a:rPr lang="en-IN" sz="4800" b="1" dirty="0">
+                <a:solidFill>
+                  <a:schemeClr val="bg1"/>
+                </a:solidFill>
+                <a:latin typeface="TT Octosquares Compressed" panose="020B0604020202020204" charset="0"/>
+                <a:cs typeface="Times New Roman" panose="02020603050405020304" pitchFamily="18" charset="0"/>
+              </a:rPr>
+              <a:t>College:</a:t>
+            </a:r>
+          </a:p>
+          <a:p>
+            <a:pPr algn="ctr"/>
+            <a:r>
+              <a:rPr lang="en-US" sz="4800" b="1" dirty="0">
+                <a:solidFill>
+                  <a:schemeClr val="bg1"/>
+                </a:solidFill>
+                <a:latin typeface="TT Octosquares Compressed" panose="020B0604020202020204" charset="0"/>
+                <a:cs typeface="Times New Roman" panose="02020603050405020304" pitchFamily="18" charset="0"/>
+              </a:rPr>
+              <a:t>	</a:t>
+            </a:r>
+            <a:r>
+              <a:rPr lang="en-US" sz="4800" b="1" dirty="0" err="1">
+                <a:solidFill>
+                  <a:schemeClr val="bg1"/>
+                </a:solidFill>
+                <a:latin typeface="TT Octosquares Compressed" panose="020B0604020202020204" charset="0"/>
+                <a:cs typeface="Times New Roman" panose="02020603050405020304" pitchFamily="18" charset="0"/>
+              </a:rPr>
+              <a:t>Thadomal</a:t>
+            </a:r>
+            <a:r>
+              <a:rPr lang="en-US" sz="4800" b="1" dirty="0">
+                <a:solidFill>
+                  <a:schemeClr val="bg1"/>
+                </a:solidFill>
+                <a:latin typeface="TT Octosquares Compressed" panose="020B0604020202020204" charset="0"/>
+                <a:cs typeface="Times New Roman" panose="02020603050405020304" pitchFamily="18" charset="0"/>
+              </a:rPr>
+              <a:t> Shahani Engineering College</a:t>
+            </a:r>
+            <a:endParaRPr lang="en-IN" sz="4800" b="1" dirty="0">
+              <a:solidFill>
+                <a:schemeClr val="bg1"/>
+              </a:solidFill>
+              <a:latin typeface="TT Octosquares Compressed" panose="020B0604020202020204" charset="0"/>
+              <a:cs typeface="Times New Roman" panose="02020603050405020304" pitchFamily="18" charset="0"/>
+            </a:endParaRPr>
+          </a:p>
+        </p:txBody>
+      </p:sp>
+    </p:spTree>
+  </p:cSld>
+  <p:clrMapOvr>
+    <a:masterClrMapping/>
+  </p:clrMapOvr>
+</p:sld>
+</file>
+
+<file path=ppt/slides/slide3.xml><?xml version="1.0" encoding="utf-8"?>
+<p:sld xmlns:a="http://schemas.openxmlformats.org/drawingml/2006/main" xmlns:r="http://schemas.openxmlformats.org/officeDocument/2006/relationships" xmlns:p="http://schemas.openxmlformats.org/presentationml/2006/main">
+  <p:cSld>
+    <p:spTree>
+      <p:nvGrpSpPr>
+        <p:cNvPr id="1" name=""/>
+        <p:cNvGrpSpPr/>
+        <p:nvPr/>
+      </p:nvGrpSpPr>
+      <p:grpSpPr>
+        <a:xfrm>
+          <a:off x="0" y="0"/>
+          <a:ext cx="0" cy="0"/>
+          <a:chOff x="0" y="0"/>
+          <a:chExt cx="0" cy="0"/>
+        </a:xfrm>
+      </p:grpSpPr>
+      <p:sp>
+        <p:nvSpPr>
+          <p:cNvPr id="2" name="Freeform 2"/>
+          <p:cNvSpPr/>
+          <p:nvPr/>
+        </p:nvSpPr>
+        <p:spPr>
+          <a:xfrm>
+            <a:off x="0" y="0"/>
+            <a:ext cx="18288000" cy="10287000"/>
+          </a:xfrm>
+          <a:custGeom>
+            <a:avLst/>
+            <a:gdLst/>
+            <a:ahLst/>
+            <a:cxnLst/>
+            <a:rect l="l" t="t" r="r" b="b"/>
+            <a:pathLst>
+              <a:path w="18288000" h="10287000">
+                <a:moveTo>
+                  <a:pt x="0" y="0"/>
+                </a:moveTo>
+                <a:lnTo>
+                  <a:pt x="18288000" y="0"/>
+                </a:lnTo>
+                <a:lnTo>
+                  <a:pt x="18288000" y="10287000"/>
+                </a:lnTo>
+                <a:lnTo>
+                  <a:pt x="0" y="10287000"/>
+                </a:lnTo>
+                <a:lnTo>
+                  <a:pt x="0" y="0"/>
+                </a:lnTo>
+                <a:close/>
+              </a:path>
+            </a:pathLst>
+          </a:custGeom>
+          <a:blipFill>
+            <a:blip r:embed="rId2"/>
+            <a:stretch>
+              <a:fillRect t="-38888" b="-38888"/>
+            </a:stretch>
+          </a:blipFill>
+        </p:spPr>
+        <p:txBody>
+          <a:bodyPr/>
+          <a:lstStyle/>
+          <a:p>
+            <a:endParaRPr lang="en-IN" sz="2400" dirty="0"/>
+          </a:p>
+        </p:txBody>
+      </p:sp>
+      <p:sp>
+        <p:nvSpPr>
+          <p:cNvPr id="9" name="TextBox 8">
+            <a:extLst>
+              <a:ext uri="{FF2B5EF4-FFF2-40B4-BE49-F238E27FC236}">
+                <a16:creationId xmlns:a16="http://schemas.microsoft.com/office/drawing/2014/main" id="{DF01F011-502B-4E9D-7613-FE90FBAAF750}"/>
+              </a:ext>
+            </a:extLst>
+          </p:cNvPr>
+          <p:cNvSpPr txBox="1"/>
+          <p:nvPr/>
+        </p:nvSpPr>
+        <p:spPr>
+          <a:xfrm>
+            <a:off x="1295400" y="876300"/>
+            <a:ext cx="15925800" cy="8325356"/>
+          </a:xfrm>
+          <a:prstGeom prst="rect">
+            <a:avLst/>
+          </a:prstGeom>
+          <a:noFill/>
+        </p:spPr>
+        <p:txBody>
+          <a:bodyPr wrap="square" rtlCol="0">
+            <a:spAutoFit/>
+          </a:bodyPr>
+          <a:lstStyle/>
+          <a:p>
+            <a:pPr marL="571500" indent="-571500">
+              <a:lnSpc>
+                <a:spcPct val="150000"/>
+              </a:lnSpc>
+              <a:buFont typeface="Arial" panose="020B0604020202020204" pitchFamily="34" charset="0"/>
+              <a:buChar char="•"/>
+            </a:pPr>
+            <a:r>
+              <a:rPr lang="en-IN" sz="4000" b="1" dirty="0">
+                <a:solidFill>
+                  <a:schemeClr val="bg1"/>
+                </a:solidFill>
+                <a:latin typeface="TT Octosquares Compressed" panose="020B0604020202020204" charset="0"/>
+              </a:rPr>
+              <a:t>Component Descriptions :(Each Component Has Been Used Only Once)</a:t>
+            </a:r>
+          </a:p>
+          <a:p>
+            <a:pPr lvl="1">
+              <a:lnSpc>
+                <a:spcPct val="150000"/>
+              </a:lnSpc>
+              <a:buFont typeface="+mj-lt"/>
+              <a:buAutoNum type="arabicPeriod"/>
+            </a:pPr>
+            <a:r>
+              <a:rPr lang="en-IN" sz="4000" b="1" dirty="0">
+                <a:solidFill>
+                  <a:schemeClr val="bg1"/>
+                </a:solidFill>
+                <a:latin typeface="TT Octosquares Compressed" panose="020B0604020202020204" charset="0"/>
+              </a:rPr>
+              <a:t>ESP32-S3 Dev Module</a:t>
+            </a:r>
+            <a:r>
+              <a:rPr lang="en-IN" sz="4000" dirty="0">
+                <a:solidFill>
+                  <a:schemeClr val="bg1"/>
+                </a:solidFill>
+                <a:latin typeface="TT Octosquares Compressed" panose="020B0604020202020204" charset="0"/>
+              </a:rPr>
+              <a:t> – Dual-core, Wi-Fi, Bluetooth 5, USB-OTG, 44 GPIOs, ADC, DAC, I2C, SPI.</a:t>
+            </a:r>
+          </a:p>
+          <a:p>
+            <a:pPr lvl="1">
+              <a:lnSpc>
+                <a:spcPct val="150000"/>
+              </a:lnSpc>
+              <a:buFont typeface="+mj-lt"/>
+              <a:buAutoNum type="arabicPeriod"/>
+            </a:pPr>
+            <a:r>
+              <a:rPr lang="en-IN" sz="4000" b="1" dirty="0">
+                <a:solidFill>
+                  <a:schemeClr val="bg1"/>
+                </a:solidFill>
+                <a:latin typeface="TT Octosquares Compressed" panose="020B0604020202020204" charset="0"/>
+              </a:rPr>
+              <a:t>MQ-135 Gas Sensor</a:t>
+            </a:r>
+            <a:r>
+              <a:rPr lang="en-IN" sz="4000" dirty="0">
+                <a:solidFill>
+                  <a:schemeClr val="bg1"/>
+                </a:solidFill>
+                <a:latin typeface="TT Octosquares Compressed" panose="020B0604020202020204" charset="0"/>
+              </a:rPr>
+              <a:t> – Detects gases, air quality, </a:t>
+            </a:r>
+            <a:r>
+              <a:rPr lang="en-IN" sz="4000" dirty="0" err="1">
+                <a:solidFill>
+                  <a:schemeClr val="bg1"/>
+                </a:solidFill>
+                <a:latin typeface="TT Octosquares Compressed" panose="020B0604020202020204" charset="0"/>
+              </a:rPr>
+              <a:t>analog</a:t>
+            </a:r>
+            <a:r>
+              <a:rPr lang="en-IN" sz="4000" dirty="0">
+                <a:solidFill>
+                  <a:schemeClr val="bg1"/>
+                </a:solidFill>
+                <a:latin typeface="TT Octosquares Compressed" panose="020B0604020202020204" charset="0"/>
+              </a:rPr>
+              <a:t> output, adjustable sensitivity, pollution monitoring.</a:t>
+            </a:r>
+          </a:p>
+          <a:p>
+            <a:pPr lvl="1">
+              <a:lnSpc>
+                <a:spcPct val="150000"/>
+              </a:lnSpc>
+              <a:buFont typeface="+mj-lt"/>
+              <a:buAutoNum type="arabicPeriod"/>
+            </a:pPr>
+            <a:r>
+              <a:rPr lang="en-IN" sz="4000" b="1" dirty="0">
+                <a:solidFill>
+                  <a:schemeClr val="bg1"/>
+                </a:solidFill>
+                <a:latin typeface="TT Octosquares Compressed" panose="020B0604020202020204" charset="0"/>
+              </a:rPr>
+              <a:t>Sound Sensor Module</a:t>
+            </a:r>
+            <a:r>
+              <a:rPr lang="en-IN" sz="4000" dirty="0">
+                <a:solidFill>
+                  <a:schemeClr val="bg1"/>
+                </a:solidFill>
+                <a:latin typeface="TT Octosquares Compressed" panose="020B0604020202020204" charset="0"/>
+              </a:rPr>
+              <a:t> – Detects noise, </a:t>
+            </a:r>
+            <a:r>
+              <a:rPr lang="en-IN" sz="4000" dirty="0" err="1">
+                <a:solidFill>
+                  <a:schemeClr val="bg1"/>
+                </a:solidFill>
+                <a:latin typeface="TT Octosquares Compressed" panose="020B0604020202020204" charset="0"/>
+              </a:rPr>
+              <a:t>analog</a:t>
+            </a:r>
+            <a:r>
+              <a:rPr lang="en-IN" sz="4000" dirty="0">
+                <a:solidFill>
+                  <a:schemeClr val="bg1"/>
+                </a:solidFill>
+                <a:latin typeface="TT Octosquares Compressed" panose="020B0604020202020204" charset="0"/>
+              </a:rPr>
+              <a:t>/digital output, microphone-based, adjustable sensitivity, audio applications.</a:t>
+            </a:r>
+          </a:p>
+          <a:p>
+            <a:pPr lvl="1">
+              <a:lnSpc>
+                <a:spcPct val="150000"/>
+              </a:lnSpc>
+              <a:buFont typeface="+mj-lt"/>
+              <a:buAutoNum type="arabicPeriod"/>
+            </a:pPr>
+            <a:r>
+              <a:rPr lang="en-IN" sz="4000" b="1" dirty="0">
+                <a:solidFill>
+                  <a:schemeClr val="bg1"/>
+                </a:solidFill>
+                <a:latin typeface="TT Octosquares Compressed" panose="020B0604020202020204" charset="0"/>
+              </a:rPr>
+              <a:t>Voltage Booster</a:t>
+            </a:r>
+            <a:r>
+              <a:rPr lang="en-IN" sz="4000" dirty="0">
+                <a:solidFill>
+                  <a:schemeClr val="bg1"/>
+                </a:solidFill>
+                <a:latin typeface="TT Octosquares Compressed" panose="020B0604020202020204" charset="0"/>
+              </a:rPr>
+              <a:t> – Steps up voltage, efficient, compact, DC-DC converter, battery-powered circuits.</a:t>
+            </a:r>
+          </a:p>
+          <a:p>
+            <a:pPr lvl="1">
+              <a:lnSpc>
+                <a:spcPct val="150000"/>
+              </a:lnSpc>
+              <a:buFont typeface="+mj-lt"/>
+              <a:buAutoNum type="arabicPeriod"/>
+            </a:pPr>
+            <a:r>
+              <a:rPr lang="en-IN" sz="4000" b="1" dirty="0">
+                <a:solidFill>
+                  <a:schemeClr val="bg1"/>
+                </a:solidFill>
+                <a:latin typeface="TT Octosquares Compressed" panose="020B0604020202020204" charset="0"/>
+              </a:rPr>
+              <a:t>Dust Sensor</a:t>
+            </a:r>
+            <a:r>
+              <a:rPr lang="en-IN" sz="4000" dirty="0">
+                <a:solidFill>
+                  <a:schemeClr val="bg1"/>
+                </a:solidFill>
+                <a:latin typeface="TT Octosquares Compressed" panose="020B0604020202020204" charset="0"/>
+              </a:rPr>
+              <a:t> – Detects dust, air quality monitoring, optical sensing, </a:t>
+            </a:r>
+            <a:r>
+              <a:rPr lang="en-IN" sz="4000" dirty="0" err="1">
+                <a:solidFill>
+                  <a:schemeClr val="bg1"/>
+                </a:solidFill>
+                <a:latin typeface="TT Octosquares Compressed" panose="020B0604020202020204" charset="0"/>
+              </a:rPr>
+              <a:t>analog</a:t>
+            </a:r>
+            <a:r>
+              <a:rPr lang="en-IN" sz="4000" dirty="0">
+                <a:solidFill>
+                  <a:schemeClr val="bg1"/>
+                </a:solidFill>
+                <a:latin typeface="TT Octosquares Compressed" panose="020B0604020202020204" charset="0"/>
+              </a:rPr>
+              <a:t> output, pollution control.</a:t>
+            </a:r>
+          </a:p>
+          <a:p>
+            <a:pPr>
+              <a:lnSpc>
+                <a:spcPct val="150000"/>
+              </a:lnSpc>
+            </a:pPr>
+            <a:endParaRPr lang="en-IN" sz="4000" dirty="0">
+              <a:solidFill>
+                <a:schemeClr val="bg1"/>
+              </a:solidFill>
+              <a:latin typeface="TT Octosquares Compressed" panose="020B0604020202020204" charset="0"/>
+            </a:endParaRPr>
+          </a:p>
+        </p:txBody>
+      </p:sp>
+    </p:spTree>
+  </p:cSld>
+  <p:clrMapOvr>
+    <a:masterClrMapping/>
+  </p:clrMapOvr>
+</p:sld>
+</file>
+
+<file path=ppt/slides/slide4.xml><?xml version="1.0" encoding="utf-8"?>
+<p:sld xmlns:a="http://schemas.openxmlformats.org/drawingml/2006/main" xmlns:r="http://schemas.openxmlformats.org/officeDocument/2006/relationships" xmlns:p="http://schemas.openxmlformats.org/presentationml/2006/main">
+  <p:cSld>
+    <p:spTree>
+      <p:nvGrpSpPr>
+        <p:cNvPr id="1" name=""/>
+        <p:cNvGrpSpPr/>
+        <p:nvPr/>
+      </p:nvGrpSpPr>
+      <p:grpSpPr>
+        <a:xfrm>
+          <a:off x="0" y="0"/>
+          <a:ext cx="0" cy="0"/>
+          <a:chOff x="0" y="0"/>
+          <a:chExt cx="0" cy="0"/>
+        </a:xfrm>
+      </p:grpSpPr>
+      <p:sp>
+        <p:nvSpPr>
+          <p:cNvPr id="2" name="Freeform 2"/>
+          <p:cNvSpPr/>
+          <p:nvPr/>
+        </p:nvSpPr>
+        <p:spPr>
+          <a:xfrm>
+            <a:off x="0" y="0"/>
+            <a:ext cx="18288000" cy="10287000"/>
+          </a:xfrm>
+          <a:custGeom>
+            <a:avLst/>
+            <a:gdLst/>
+            <a:ahLst/>
+            <a:cxnLst/>
+            <a:rect l="l" t="t" r="r" b="b"/>
+            <a:pathLst>
+              <a:path w="18288000" h="10287000">
+                <a:moveTo>
+                  <a:pt x="0" y="0"/>
+                </a:moveTo>
+                <a:lnTo>
+                  <a:pt x="18288000" y="0"/>
+                </a:lnTo>
+                <a:lnTo>
+                  <a:pt x="18288000" y="10287000"/>
+                </a:lnTo>
+                <a:lnTo>
+                  <a:pt x="0" y="10287000"/>
+                </a:lnTo>
+                <a:lnTo>
+                  <a:pt x="0" y="0"/>
+                </a:lnTo>
+                <a:close/>
+              </a:path>
+            </a:pathLst>
+          </a:custGeom>
+          <a:blipFill>
+            <a:blip r:embed="rId2"/>
+            <a:stretch>
+              <a:fillRect t="-38888" b="-38888"/>
+            </a:stretch>
+          </a:blipFill>
+        </p:spPr>
+        <p:txBody>
+          <a:bodyPr/>
+          <a:lstStyle/>
+          <a:p>
+            <a:endParaRPr lang="en-IN" dirty="0"/>
+          </a:p>
+        </p:txBody>
+      </p:sp>
+      <p:sp>
+        <p:nvSpPr>
+          <p:cNvPr id="3" name="TextBox 2">
+            <a:extLst>
+              <a:ext uri="{FF2B5EF4-FFF2-40B4-BE49-F238E27FC236}">
+                <a16:creationId xmlns:a16="http://schemas.microsoft.com/office/drawing/2014/main" id="{1A6A9DAA-6A84-238C-26AF-DD18CB647A46}"/>
+              </a:ext>
+            </a:extLst>
+          </p:cNvPr>
+          <p:cNvSpPr txBox="1"/>
+          <p:nvPr/>
+        </p:nvSpPr>
+        <p:spPr>
+          <a:xfrm>
+            <a:off x="1143000" y="1038314"/>
+            <a:ext cx="15697200" cy="9248686"/>
+          </a:xfrm>
+          <a:prstGeom prst="rect">
+            <a:avLst/>
+          </a:prstGeom>
+          <a:noFill/>
+        </p:spPr>
+        <p:txBody>
+          <a:bodyPr wrap="square" rtlCol="0">
+            <a:spAutoFit/>
+          </a:bodyPr>
+          <a:lstStyle/>
+          <a:p>
+            <a:pPr lvl="1">
+              <a:lnSpc>
+                <a:spcPct val="150000"/>
+              </a:lnSpc>
+            </a:pPr>
+            <a:r>
+              <a:rPr lang="en-IN" sz="4000" b="1" dirty="0">
+                <a:solidFill>
+                  <a:schemeClr val="bg1"/>
+                </a:solidFill>
+                <a:latin typeface="TT Octosquares Compressed" panose="020B0604020202020204" charset="0"/>
+              </a:rPr>
+              <a:t>6.Hall Effect Sensor</a:t>
+            </a:r>
+            <a:r>
+              <a:rPr lang="en-IN" sz="4000" dirty="0">
+                <a:solidFill>
+                  <a:schemeClr val="bg1"/>
+                </a:solidFill>
+                <a:latin typeface="TT Octosquares Compressed" panose="020B0604020202020204" charset="0"/>
+              </a:rPr>
+              <a:t> – Detects magnetic fields, contactless, digital/</a:t>
+            </a:r>
+            <a:r>
+              <a:rPr lang="en-IN" sz="4000" dirty="0" err="1">
+                <a:solidFill>
+                  <a:schemeClr val="bg1"/>
+                </a:solidFill>
+                <a:latin typeface="TT Octosquares Compressed" panose="020B0604020202020204" charset="0"/>
+              </a:rPr>
+              <a:t>analog</a:t>
+            </a:r>
+            <a:r>
+              <a:rPr lang="en-IN" sz="4000" dirty="0">
+                <a:solidFill>
+                  <a:schemeClr val="bg1"/>
+                </a:solidFill>
+                <a:latin typeface="TT Octosquares Compressed" panose="020B0604020202020204" charset="0"/>
+              </a:rPr>
+              <a:t> output, motor speed, proximity sensing.</a:t>
+            </a:r>
+          </a:p>
+          <a:p>
+            <a:pPr lvl="1">
+              <a:lnSpc>
+                <a:spcPct val="150000"/>
+              </a:lnSpc>
+            </a:pPr>
+            <a:r>
+              <a:rPr lang="en-IN" sz="4000" b="1" dirty="0">
+                <a:solidFill>
+                  <a:schemeClr val="bg1"/>
+                </a:solidFill>
+                <a:latin typeface="TT Octosquares Compressed" panose="020B0604020202020204" charset="0"/>
+              </a:rPr>
+              <a:t>7.MAX471 Current &amp; Voltage Sensor</a:t>
+            </a:r>
+            <a:r>
+              <a:rPr lang="en-IN" sz="4000" dirty="0">
+                <a:solidFill>
+                  <a:schemeClr val="bg1"/>
+                </a:solidFill>
+                <a:latin typeface="TT Octosquares Compressed" panose="020B0604020202020204" charset="0"/>
+              </a:rPr>
+              <a:t> – Measures voltage/current, bidirectional, high precision, </a:t>
+            </a:r>
+            <a:r>
+              <a:rPr lang="en-IN" sz="4000" dirty="0" err="1">
+                <a:solidFill>
+                  <a:schemeClr val="bg1"/>
+                </a:solidFill>
+                <a:latin typeface="TT Octosquares Compressed" panose="020B0604020202020204" charset="0"/>
+              </a:rPr>
+              <a:t>analog</a:t>
+            </a:r>
+            <a:r>
+              <a:rPr lang="en-IN" sz="4000" dirty="0">
+                <a:solidFill>
+                  <a:schemeClr val="bg1"/>
+                </a:solidFill>
+                <a:latin typeface="TT Octosquares Compressed" panose="020B0604020202020204" charset="0"/>
+              </a:rPr>
+              <a:t> output, power monitoring.</a:t>
+            </a:r>
+          </a:p>
+          <a:p>
+            <a:pPr lvl="1">
+              <a:lnSpc>
+                <a:spcPct val="150000"/>
+              </a:lnSpc>
+            </a:pPr>
+            <a:r>
+              <a:rPr lang="en-IN" sz="4000" b="1" dirty="0">
+                <a:solidFill>
+                  <a:schemeClr val="bg1"/>
+                </a:solidFill>
+                <a:latin typeface="TT Octosquares Compressed" panose="020B0604020202020204" charset="0"/>
+              </a:rPr>
+              <a:t>8.OLED Display</a:t>
+            </a:r>
+            <a:r>
+              <a:rPr lang="en-IN" sz="4000" dirty="0">
+                <a:solidFill>
+                  <a:schemeClr val="bg1"/>
+                </a:solidFill>
+                <a:latin typeface="TT Octosquares Compressed" panose="020B0604020202020204" charset="0"/>
+              </a:rPr>
+              <a:t> – Compact, high contrast, I2C/SPI interface, 128x64 pixels, low power consumption.</a:t>
+            </a:r>
+            <a:endParaRPr lang="en-US" altLang="en-US" sz="4000" b="1" dirty="0">
+              <a:solidFill>
+                <a:schemeClr val="bg1"/>
+              </a:solidFill>
+              <a:latin typeface="TT Octosquares Compressed" panose="020B0604020202020204" charset="0"/>
+            </a:endParaRPr>
+          </a:p>
+          <a:p>
+            <a:pPr lvl="1" eaLnBrk="0" fontAlgn="base" hangingPunct="0">
+              <a:lnSpc>
+                <a:spcPct val="150000"/>
+              </a:lnSpc>
+              <a:spcBef>
+                <a:spcPct val="0"/>
+              </a:spcBef>
+              <a:spcAft>
+                <a:spcPct val="0"/>
+              </a:spcAft>
+            </a:pPr>
+            <a:r>
+              <a:rPr lang="en-US" altLang="en-US" sz="4000" b="1" dirty="0">
+                <a:solidFill>
+                  <a:schemeClr val="bg1"/>
+                </a:solidFill>
+                <a:latin typeface="TT Octosquares Compressed" panose="020B0604020202020204" charset="0"/>
+              </a:rPr>
+              <a:t>9.BME280 Environmental Sensor</a:t>
+            </a:r>
+            <a:r>
+              <a:rPr lang="en-US" altLang="en-US" sz="4000" dirty="0">
+                <a:solidFill>
+                  <a:schemeClr val="bg1"/>
+                </a:solidFill>
+                <a:latin typeface="TT Octosquares Compressed" panose="020B0604020202020204" charset="0"/>
+              </a:rPr>
+              <a:t> – Measures temperature, humidity, pressure, I2C/SPI, weather monitoring, low power. </a:t>
+            </a:r>
+          </a:p>
+          <a:p>
+            <a:pPr lvl="1" eaLnBrk="0" fontAlgn="base" hangingPunct="0">
+              <a:lnSpc>
+                <a:spcPct val="150000"/>
+              </a:lnSpc>
+              <a:spcBef>
+                <a:spcPct val="0"/>
+              </a:spcBef>
+              <a:spcAft>
+                <a:spcPct val="0"/>
+              </a:spcAft>
+            </a:pPr>
+            <a:r>
+              <a:rPr lang="en-US" altLang="en-US" sz="4000" b="1" dirty="0">
+                <a:solidFill>
+                  <a:schemeClr val="bg1"/>
+                </a:solidFill>
+                <a:latin typeface="TT Octosquares Compressed" panose="020B0604020202020204" charset="0"/>
+              </a:rPr>
+              <a:t>10.Solar Panel</a:t>
+            </a:r>
+            <a:r>
+              <a:rPr lang="en-US" altLang="en-US" sz="4000" dirty="0">
+                <a:solidFill>
+                  <a:schemeClr val="bg1"/>
+                </a:solidFill>
+                <a:latin typeface="TT Octosquares Compressed" panose="020B0604020202020204" charset="0"/>
+              </a:rPr>
+              <a:t> – Converts sunlight, renewable energy, portable, efficient, powers small electronics, eco-friendly. </a:t>
+            </a:r>
+          </a:p>
+          <a:p>
+            <a:pPr>
+              <a:lnSpc>
+                <a:spcPct val="150000"/>
+              </a:lnSpc>
+            </a:pPr>
+            <a:endParaRPr lang="en-IN" sz="4000" dirty="0">
+              <a:latin typeface="TT Octosquares Compressed" panose="020B0604020202020204" charset="0"/>
+            </a:endParaRPr>
+          </a:p>
+        </p:txBody>
+      </p:sp>
+    </p:spTree>
+  </p:cSld>
+  <p:clrMapOvr>
+    <a:masterClrMapping/>
+  </p:clrMapOvr>
+</p:sld>
+</file>
+
+<file path=ppt/slides/slide5.xml><?xml version="1.0" encoding="utf-8"?>
+<p:sld xmlns:a="http://schemas.openxmlformats.org/drawingml/2006/main" xmlns:r="http://schemas.openxmlformats.org/officeDocument/2006/relationships" xmlns:p="http://schemas.openxmlformats.org/presentationml/2006/main">
+  <p:cSld>
+    <p:spTree>
+      <p:nvGrpSpPr>
+        <p:cNvPr id="1" name=""/>
+        <p:cNvGrpSpPr/>
+        <p:nvPr/>
+      </p:nvGrpSpPr>
+      <p:grpSpPr>
+        <a:xfrm>
+          <a:off x="0" y="0"/>
+          <a:ext cx="0" cy="0"/>
+          <a:chOff x="0" y="0"/>
+          <a:chExt cx="0" cy="0"/>
+        </a:xfrm>
+      </p:grpSpPr>
+      <p:sp>
+        <p:nvSpPr>
+          <p:cNvPr id="2" name="Freeform 2"/>
+          <p:cNvSpPr/>
+          <p:nvPr/>
+        </p:nvSpPr>
+        <p:spPr>
+          <a:xfrm>
+            <a:off x="22123" y="0"/>
+            <a:ext cx="18288000" cy="10287000"/>
+          </a:xfrm>
+          <a:custGeom>
+            <a:avLst/>
+            <a:gdLst/>
+            <a:ahLst/>
+            <a:cxnLst/>
+            <a:rect l="l" t="t" r="r" b="b"/>
+            <a:pathLst>
+              <a:path w="18288000" h="10287000">
+                <a:moveTo>
+                  <a:pt x="0" y="0"/>
+                </a:moveTo>
+                <a:lnTo>
+                  <a:pt x="18288000" y="0"/>
+                </a:lnTo>
+                <a:lnTo>
+                  <a:pt x="18288000" y="10287000"/>
+                </a:lnTo>
+                <a:lnTo>
+                  <a:pt x="0" y="10287000"/>
+                </a:lnTo>
+                <a:lnTo>
+                  <a:pt x="0" y="0"/>
+                </a:lnTo>
+                <a:close/>
+              </a:path>
+            </a:pathLst>
+          </a:custGeom>
+          <a:blipFill>
+            <a:blip r:embed="rId2"/>
+            <a:stretch>
+              <a:fillRect t="-38888" b="-38888"/>
+            </a:stretch>
+          </a:blipFill>
+        </p:spPr>
+        <p:txBody>
+          <a:bodyPr/>
+          <a:lstStyle/>
+          <a:p>
+            <a:endParaRPr lang="en-IN" dirty="0"/>
+          </a:p>
+        </p:txBody>
+      </p:sp>
+      <p:sp>
+        <p:nvSpPr>
+          <p:cNvPr id="3" name="TextBox 2">
+            <a:extLst>
+              <a:ext uri="{FF2B5EF4-FFF2-40B4-BE49-F238E27FC236}">
+                <a16:creationId xmlns:a16="http://schemas.microsoft.com/office/drawing/2014/main" id="{3C07D220-C9F7-57D0-4E1E-6790F3F02E30}"/>
+              </a:ext>
+            </a:extLst>
+          </p:cNvPr>
+          <p:cNvSpPr txBox="1"/>
+          <p:nvPr/>
+        </p:nvSpPr>
+        <p:spPr>
+          <a:xfrm>
+            <a:off x="1143000" y="1442487"/>
+            <a:ext cx="16383000" cy="8325356"/>
+          </a:xfrm>
+          <a:prstGeom prst="rect">
+            <a:avLst/>
+          </a:prstGeom>
+          <a:noFill/>
+        </p:spPr>
+        <p:txBody>
+          <a:bodyPr wrap="square" rtlCol="0">
+            <a:spAutoFit/>
+          </a:bodyPr>
+          <a:lstStyle/>
+          <a:p>
+            <a:pPr lvl="1" eaLnBrk="0" fontAlgn="base" hangingPunct="0">
+              <a:lnSpc>
+                <a:spcPct val="150000"/>
+              </a:lnSpc>
+              <a:spcBef>
+                <a:spcPct val="0"/>
+              </a:spcBef>
+              <a:spcAft>
+                <a:spcPct val="0"/>
+              </a:spcAft>
+            </a:pPr>
+            <a:r>
+              <a:rPr lang="en-US" altLang="en-US" sz="4000" b="1" dirty="0">
+                <a:solidFill>
+                  <a:schemeClr val="bg1"/>
+                </a:solidFill>
+                <a:latin typeface="TT Octosquares Compressed" panose="020B0604020202020204" charset="0"/>
+              </a:rPr>
+              <a:t>11.Rechargeable Module (TP4056)</a:t>
+            </a:r>
+            <a:r>
+              <a:rPr lang="en-US" altLang="en-US" sz="4000" dirty="0">
+                <a:solidFill>
+                  <a:schemeClr val="bg1"/>
+                </a:solidFill>
+                <a:latin typeface="TT Octosquares Compressed" panose="020B0604020202020204" charset="0"/>
+              </a:rPr>
+              <a:t> – Charges Li-ion batteries, 3.7V, overcharge protection, USB input, compact. </a:t>
+            </a:r>
+          </a:p>
+          <a:p>
+            <a:pPr lvl="1" eaLnBrk="0" fontAlgn="base" hangingPunct="0">
+              <a:lnSpc>
+                <a:spcPct val="150000"/>
+              </a:lnSpc>
+              <a:spcBef>
+                <a:spcPct val="0"/>
+              </a:spcBef>
+              <a:spcAft>
+                <a:spcPct val="0"/>
+              </a:spcAft>
+            </a:pPr>
+            <a:r>
+              <a:rPr lang="en-US" altLang="en-US" sz="4000" b="1" dirty="0">
+                <a:solidFill>
+                  <a:schemeClr val="bg1"/>
+                </a:solidFill>
+                <a:latin typeface="TT Octosquares Compressed" panose="020B0604020202020204" charset="0"/>
+              </a:rPr>
+              <a:t>12.IR Flame Sensor</a:t>
+            </a:r>
+            <a:r>
+              <a:rPr lang="en-US" altLang="en-US" sz="4000" dirty="0">
+                <a:solidFill>
+                  <a:schemeClr val="bg1"/>
+                </a:solidFill>
+                <a:latin typeface="TT Octosquares Compressed" panose="020B0604020202020204" charset="0"/>
+              </a:rPr>
+              <a:t> – Detects fire, infrared-based, digital/analog output, fast response, safety applications. </a:t>
+            </a:r>
+          </a:p>
+          <a:p>
+            <a:pPr lvl="1" eaLnBrk="0" fontAlgn="base" hangingPunct="0">
+              <a:lnSpc>
+                <a:spcPct val="150000"/>
+              </a:lnSpc>
+              <a:spcBef>
+                <a:spcPct val="0"/>
+              </a:spcBef>
+              <a:spcAft>
+                <a:spcPct val="0"/>
+              </a:spcAft>
+            </a:pPr>
+            <a:r>
+              <a:rPr lang="en-US" altLang="en-US" sz="4000" b="1" dirty="0">
+                <a:solidFill>
+                  <a:schemeClr val="bg1"/>
+                </a:solidFill>
+                <a:latin typeface="TT Octosquares Compressed" panose="020B0604020202020204" charset="0"/>
+              </a:rPr>
+              <a:t>13.Battery 3.7V 2500mAh (18650)</a:t>
+            </a:r>
+            <a:r>
+              <a:rPr lang="en-US" altLang="en-US" sz="4000" dirty="0">
+                <a:solidFill>
+                  <a:schemeClr val="bg1"/>
+                </a:solidFill>
+                <a:latin typeface="TT Octosquares Compressed" panose="020B0604020202020204" charset="0"/>
+              </a:rPr>
+              <a:t> – Rechargeable, lithium-ion, high capacity, 3.7V, portable, energy-efficient. </a:t>
+            </a:r>
+          </a:p>
+          <a:p>
+            <a:pPr lvl="1" eaLnBrk="0" fontAlgn="base" hangingPunct="0">
+              <a:lnSpc>
+                <a:spcPct val="150000"/>
+              </a:lnSpc>
+              <a:spcBef>
+                <a:spcPct val="0"/>
+              </a:spcBef>
+              <a:spcAft>
+                <a:spcPct val="0"/>
+              </a:spcAft>
+            </a:pPr>
+            <a:r>
+              <a:rPr lang="en-US" altLang="en-US" sz="4000" b="1" dirty="0">
+                <a:solidFill>
+                  <a:schemeClr val="bg1"/>
+                </a:solidFill>
+                <a:latin typeface="TT Octosquares Compressed" panose="020B0604020202020204" charset="0"/>
+              </a:rPr>
+              <a:t>14.Water Flow Sensor</a:t>
+            </a:r>
+            <a:r>
+              <a:rPr lang="en-US" altLang="en-US" sz="4000" dirty="0">
+                <a:solidFill>
+                  <a:schemeClr val="bg1"/>
+                </a:solidFill>
+                <a:latin typeface="TT Octosquares Compressed" panose="020B0604020202020204" charset="0"/>
+              </a:rPr>
+              <a:t> – Measures water flow, pulse output, plastic body, used in pipelines.</a:t>
+            </a:r>
+            <a:endParaRPr lang="en-US" altLang="en-US" sz="4000" b="1" dirty="0">
+              <a:solidFill>
+                <a:schemeClr val="bg1"/>
+              </a:solidFill>
+              <a:latin typeface="TT Octosquares Compressed" panose="020B0604020202020204" charset="0"/>
+            </a:endParaRPr>
+          </a:p>
+          <a:p>
+            <a:pPr lvl="1" eaLnBrk="0" fontAlgn="base" hangingPunct="0">
+              <a:lnSpc>
+                <a:spcPct val="150000"/>
+              </a:lnSpc>
+              <a:spcBef>
+                <a:spcPct val="0"/>
+              </a:spcBef>
+              <a:spcAft>
+                <a:spcPct val="0"/>
+              </a:spcAft>
+            </a:pPr>
+            <a:r>
+              <a:rPr lang="en-US" altLang="en-US" sz="4000" b="1" dirty="0">
+                <a:solidFill>
+                  <a:schemeClr val="bg1"/>
+                </a:solidFill>
+                <a:latin typeface="TT Octosquares Compressed" panose="020B0604020202020204" charset="0"/>
+              </a:rPr>
+              <a:t>15.DHT11 Temperature &amp; Humidity Sensor</a:t>
+            </a:r>
+            <a:r>
+              <a:rPr lang="en-US" altLang="en-US" sz="4000" dirty="0">
+                <a:solidFill>
+                  <a:schemeClr val="bg1"/>
+                </a:solidFill>
+                <a:latin typeface="TT Octosquares Compressed" panose="020B0604020202020204" charset="0"/>
+              </a:rPr>
+              <a:t> – Measures temperature/humidity, digital output, low-cost, I2C, weather monitoring. </a:t>
+            </a:r>
+          </a:p>
+        </p:txBody>
+      </p:sp>
+    </p:spTree>
+  </p:cSld>
+  <p:clrMapOvr>
+    <a:masterClrMapping/>
+  </p:clrMapOvr>
+</p:sld>
+</file>
+
+<file path=ppt/slides/slide6.xml><?xml version="1.0" encoding="utf-8"?>
+<p:sld xmlns:a="http://schemas.openxmlformats.org/drawingml/2006/main" xmlns:r="http://schemas.openxmlformats.org/officeDocument/2006/relationships" xmlns:p="http://schemas.openxmlformats.org/presentationml/2006/main">
+  <p:cSld>
+    <p:spTree>
+      <p:nvGrpSpPr>
+        <p:cNvPr id="1" name=""/>
+        <p:cNvGrpSpPr/>
+        <p:nvPr/>
+      </p:nvGrpSpPr>
+      <p:grpSpPr>
+        <a:xfrm>
+          <a:off x="0" y="0"/>
+          <a:ext cx="0" cy="0"/>
+          <a:chOff x="0" y="0"/>
+          <a:chExt cx="0" cy="0"/>
+        </a:xfrm>
+      </p:grpSpPr>
+      <p:sp>
+        <p:nvSpPr>
+          <p:cNvPr id="2" name="Freeform 2"/>
+          <p:cNvSpPr/>
+          <p:nvPr/>
+        </p:nvSpPr>
+        <p:spPr>
+          <a:xfrm>
+            <a:off x="2458" y="-25810"/>
+            <a:ext cx="18288000" cy="10287000"/>
+          </a:xfrm>
+          <a:custGeom>
+            <a:avLst/>
+            <a:gdLst/>
+            <a:ahLst/>
+            <a:cxnLst/>
+            <a:rect l="l" t="t" r="r" b="b"/>
+            <a:pathLst>
+              <a:path w="18288000" h="10287000">
+                <a:moveTo>
+                  <a:pt x="0" y="0"/>
+                </a:moveTo>
+                <a:lnTo>
+                  <a:pt x="18288000" y="0"/>
+                </a:lnTo>
+                <a:lnTo>
+                  <a:pt x="18288000" y="10287000"/>
+                </a:lnTo>
+                <a:lnTo>
+                  <a:pt x="0" y="10287000"/>
+                </a:lnTo>
+                <a:lnTo>
+                  <a:pt x="0" y="0"/>
+                </a:lnTo>
+                <a:close/>
+              </a:path>
+            </a:pathLst>
+          </a:custGeom>
+          <a:blipFill>
+            <a:blip r:embed="rId2"/>
+            <a:stretch>
+              <a:fillRect t="-38888" b="-38888"/>
+            </a:stretch>
+          </a:blipFill>
+        </p:spPr>
+      </p:sp>
+      <p:sp>
+        <p:nvSpPr>
+          <p:cNvPr id="3" name="TextBox 2">
+            <a:extLst>
+              <a:ext uri="{FF2B5EF4-FFF2-40B4-BE49-F238E27FC236}">
+                <a16:creationId xmlns:a16="http://schemas.microsoft.com/office/drawing/2014/main" id="{45771DB8-3315-E7FF-E02D-74EF4C14BFBD}"/>
+              </a:ext>
+            </a:extLst>
+          </p:cNvPr>
+          <p:cNvSpPr txBox="1"/>
+          <p:nvPr/>
+        </p:nvSpPr>
+        <p:spPr>
+          <a:xfrm>
+            <a:off x="1295400" y="1638300"/>
+            <a:ext cx="15392400" cy="7402026"/>
+          </a:xfrm>
+          <a:prstGeom prst="rect">
+            <a:avLst/>
+          </a:prstGeom>
+          <a:noFill/>
+        </p:spPr>
+        <p:txBody>
+          <a:bodyPr wrap="square" rtlCol="0">
+            <a:spAutoFit/>
+          </a:bodyPr>
+          <a:lstStyle/>
+          <a:p>
+            <a:pPr lvl="1" eaLnBrk="0" fontAlgn="base" hangingPunct="0">
+              <a:lnSpc>
+                <a:spcPct val="150000"/>
+              </a:lnSpc>
+              <a:spcBef>
+                <a:spcPct val="0"/>
+              </a:spcBef>
+              <a:spcAft>
+                <a:spcPct val="0"/>
+              </a:spcAft>
+            </a:pPr>
+            <a:r>
+              <a:rPr lang="en-US" altLang="en-US" sz="4000" b="1" dirty="0">
+                <a:solidFill>
+                  <a:schemeClr val="bg1"/>
+                </a:solidFill>
+                <a:latin typeface="TT Octosquares Compressed" panose="020B0604020202020204" charset="0"/>
+              </a:rPr>
+              <a:t>16.Soil Moisture Sensor</a:t>
+            </a:r>
+            <a:r>
+              <a:rPr lang="en-US" altLang="en-US" sz="4000" dirty="0">
+                <a:solidFill>
+                  <a:schemeClr val="bg1"/>
+                </a:solidFill>
+                <a:latin typeface="TT Octosquares Compressed" panose="020B0604020202020204" charset="0"/>
+              </a:rPr>
+              <a:t> – Detects soil moisture, analog/digital output, agriculture, irrigation systems, plant monitoring. </a:t>
+            </a:r>
+            <a:endParaRPr lang="en-US" altLang="en-US" sz="4000" b="1" dirty="0">
+              <a:solidFill>
+                <a:schemeClr val="bg1"/>
+              </a:solidFill>
+              <a:latin typeface="TT Octosquares Compressed" panose="020B0604020202020204" charset="0"/>
+            </a:endParaRPr>
+          </a:p>
+          <a:p>
+            <a:pPr lvl="1" eaLnBrk="0" fontAlgn="base" hangingPunct="0">
+              <a:lnSpc>
+                <a:spcPct val="150000"/>
+              </a:lnSpc>
+              <a:spcBef>
+                <a:spcPct val="0"/>
+              </a:spcBef>
+              <a:spcAft>
+                <a:spcPct val="0"/>
+              </a:spcAft>
+            </a:pPr>
+            <a:r>
+              <a:rPr lang="en-US" altLang="en-US" sz="4000" b="1" dirty="0">
+                <a:solidFill>
+                  <a:schemeClr val="bg1"/>
+                </a:solidFill>
+                <a:latin typeface="TT Octosquares Compressed" panose="020B0604020202020204" charset="0"/>
+              </a:rPr>
+              <a:t>17.Relay Module</a:t>
+            </a:r>
+            <a:r>
+              <a:rPr lang="en-US" altLang="en-US" sz="4000" dirty="0">
+                <a:solidFill>
+                  <a:schemeClr val="bg1"/>
+                </a:solidFill>
+                <a:latin typeface="TT Octosquares Compressed" panose="020B0604020202020204" charset="0"/>
+              </a:rPr>
+              <a:t> – Switches high-power devices, electrically isolated, microcontroller compatible, automation, safety. </a:t>
+            </a:r>
+          </a:p>
+          <a:p>
+            <a:pPr lvl="1" eaLnBrk="0" fontAlgn="base" hangingPunct="0">
+              <a:lnSpc>
+                <a:spcPct val="150000"/>
+              </a:lnSpc>
+              <a:spcBef>
+                <a:spcPct val="0"/>
+              </a:spcBef>
+              <a:spcAft>
+                <a:spcPct val="0"/>
+              </a:spcAft>
+            </a:pPr>
+            <a:r>
+              <a:rPr lang="en-US" altLang="en-US" sz="4000" b="1" dirty="0">
+                <a:solidFill>
+                  <a:schemeClr val="bg1"/>
+                </a:solidFill>
+                <a:latin typeface="TT Octosquares Compressed" panose="020B0604020202020204" charset="0"/>
+              </a:rPr>
+              <a:t>18.Rain Sensor</a:t>
+            </a:r>
+            <a:r>
+              <a:rPr lang="en-US" altLang="en-US" sz="4000" dirty="0">
+                <a:solidFill>
+                  <a:schemeClr val="bg1"/>
+                </a:solidFill>
+                <a:latin typeface="TT Octosquares Compressed" panose="020B0604020202020204" charset="0"/>
+              </a:rPr>
+              <a:t> – Detects rain, analog/digital output, weather monitoring, smart irrigation, waterproof. </a:t>
+            </a:r>
+          </a:p>
+          <a:p>
+            <a:pPr lvl="1" eaLnBrk="0" fontAlgn="base" hangingPunct="0">
+              <a:lnSpc>
+                <a:spcPct val="150000"/>
+              </a:lnSpc>
+              <a:spcBef>
+                <a:spcPct val="0"/>
+              </a:spcBef>
+              <a:spcAft>
+                <a:spcPct val="0"/>
+              </a:spcAft>
+            </a:pPr>
+            <a:r>
+              <a:rPr lang="en-US" altLang="en-US" sz="4000" b="1" dirty="0">
+                <a:solidFill>
+                  <a:schemeClr val="bg1"/>
+                </a:solidFill>
+                <a:latin typeface="TT Octosquares Compressed" panose="020B0604020202020204" charset="0"/>
+              </a:rPr>
+              <a:t>19.RTC DS3231 Module</a:t>
+            </a:r>
+            <a:r>
+              <a:rPr lang="en-US" altLang="en-US" sz="4000" dirty="0">
+                <a:solidFill>
+                  <a:schemeClr val="bg1"/>
+                </a:solidFill>
+                <a:latin typeface="TT Octosquares Compressed" panose="020B0604020202020204" charset="0"/>
+              </a:rPr>
+              <a:t> – Real-time clock, highly accurate, I2C, battery-backed, temperature compensated, low power. </a:t>
+            </a:r>
+          </a:p>
+        </p:txBody>
+      </p:sp>
+    </p:spTree>
+  </p:cSld>
+  <p:clrMapOvr>
+    <a:masterClrMapping/>
+  </p:clrMapOvr>
+</p:sld>
+</file>
+
+<file path=ppt/slides/slide7.xml><?xml version="1.0" encoding="utf-8"?>
+<p:sld xmlns:a="http://schemas.openxmlformats.org/drawingml/2006/main" xmlns:r="http://schemas.openxmlformats.org/officeDocument/2006/relationships" xmlns:p="http://schemas.openxmlformats.org/presentationml/2006/main">
+  <p:cSld>
+    <p:spTree>
+      <p:nvGrpSpPr>
+        <p:cNvPr id="1" name=""/>
+        <p:cNvGrpSpPr/>
+        <p:nvPr/>
+      </p:nvGrpSpPr>
+      <p:grpSpPr>
+        <a:xfrm>
+          <a:off x="0" y="0"/>
+          <a:ext cx="0" cy="0"/>
+          <a:chOff x="0" y="0"/>
+          <a:chExt cx="0" cy="0"/>
+        </a:xfrm>
+      </p:grpSpPr>
+      <p:sp>
+        <p:nvSpPr>
+          <p:cNvPr id="2" name="Freeform 2"/>
+          <p:cNvSpPr/>
+          <p:nvPr/>
+        </p:nvSpPr>
+        <p:spPr>
+          <a:xfrm>
+            <a:off x="0" y="0"/>
+            <a:ext cx="18288000" cy="10287000"/>
+          </a:xfrm>
+          <a:custGeom>
+            <a:avLst/>
+            <a:gdLst/>
+            <a:ahLst/>
+            <a:cxnLst/>
+            <a:rect l="l" t="t" r="r" b="b"/>
+            <a:pathLst>
+              <a:path w="18288000" h="10287000">
+                <a:moveTo>
+                  <a:pt x="0" y="0"/>
+                </a:moveTo>
+                <a:lnTo>
+                  <a:pt x="18288000" y="0"/>
+                </a:lnTo>
+                <a:lnTo>
+                  <a:pt x="18288000" y="10287000"/>
+                </a:lnTo>
+                <a:lnTo>
+                  <a:pt x="0" y="10287000"/>
+                </a:lnTo>
+                <a:lnTo>
+                  <a:pt x="0" y="0"/>
+                </a:lnTo>
+                <a:close/>
+              </a:path>
+            </a:pathLst>
+          </a:custGeom>
+          <a:blipFill>
+            <a:blip r:embed="rId2"/>
+            <a:stretch>
+              <a:fillRect t="-38888" b="-38888"/>
+            </a:stretch>
+          </a:blipFill>
+        </p:spPr>
+        <p:txBody>
+          <a:bodyPr/>
+          <a:lstStyle/>
+          <a:p>
+            <a:endParaRPr lang="en-IN" dirty="0"/>
+          </a:p>
+        </p:txBody>
+      </p:sp>
+      <p:sp>
+        <p:nvSpPr>
+          <p:cNvPr id="3" name="TextBox 2">
+            <a:extLst>
+              <a:ext uri="{FF2B5EF4-FFF2-40B4-BE49-F238E27FC236}">
+                <a16:creationId xmlns:a16="http://schemas.microsoft.com/office/drawing/2014/main" id="{FABA2CFE-5AB4-B04F-A845-6D2052EE1D3C}"/>
+              </a:ext>
+            </a:extLst>
+          </p:cNvPr>
+          <p:cNvSpPr txBox="1"/>
+          <p:nvPr/>
+        </p:nvSpPr>
+        <p:spPr>
+          <a:xfrm>
+            <a:off x="685800" y="495300"/>
+            <a:ext cx="16764000" cy="646331"/>
+          </a:xfrm>
+          <a:prstGeom prst="rect">
+            <a:avLst/>
+          </a:prstGeom>
+          <a:noFill/>
+        </p:spPr>
+        <p:txBody>
+          <a:bodyPr wrap="square" rtlCol="0">
+            <a:spAutoFit/>
+          </a:bodyPr>
+          <a:lstStyle/>
+          <a:p>
+            <a:r>
+              <a:rPr lang="en-US" sz="3600" dirty="0">
+                <a:solidFill>
+                  <a:schemeClr val="bg1"/>
+                </a:solidFill>
+                <a:latin typeface="TT Octosquares Compressed" panose="020B0604020202020204" charset="0"/>
+              </a:rPr>
+              <a:t>SCHEMATIC DIAGRRAM:</a:t>
+            </a:r>
+            <a:endParaRPr lang="en-IN" sz="3600" dirty="0">
+              <a:solidFill>
+                <a:schemeClr val="bg1"/>
+              </a:solidFill>
+              <a:latin typeface="TT Octosquares Compressed" panose="020B0604020202020204" charset="0"/>
+            </a:endParaRPr>
+          </a:p>
+        </p:txBody>
+      </p:sp>
+      <p:pic>
+        <p:nvPicPr>
+          <p:cNvPr id="6" name="Picture 5">
+            <a:extLst>
+              <a:ext uri="{FF2B5EF4-FFF2-40B4-BE49-F238E27FC236}">
+                <a16:creationId xmlns:a16="http://schemas.microsoft.com/office/drawing/2014/main" id="{7183F502-F9F1-6BEE-0E03-71E016023153}"/>
+              </a:ext>
+            </a:extLst>
+          </p:cNvPr>
+          <p:cNvPicPr>
+            <a:picLocks noChangeAspect="1"/>
+          </p:cNvPicPr>
+          <p:nvPr/>
+        </p:nvPicPr>
+        <p:blipFill>
+          <a:blip r:embed="rId3"/>
+          <a:stretch>
+            <a:fillRect/>
+          </a:stretch>
+        </p:blipFill>
+        <p:spPr>
+          <a:xfrm>
+            <a:off x="2533004" y="1288584"/>
+            <a:ext cx="12249796" cy="8506803"/>
+          </a:xfrm>
+          <a:prstGeom prst="rect">
+            <a:avLst/>
+          </a:prstGeom>
+        </p:spPr>
+      </p:pic>
+    </p:spTree>
+  </p:cSld>
+  <p:clrMapOvr>
+    <a:masterClrMapping/>
+  </p:clrMapOvr>
+</p:sld>
+</file>
+
+<file path=ppt/slides/slide8.xml><?xml version="1.0" encoding="utf-8"?>
+<p:sld xmlns:a="http://schemas.openxmlformats.org/drawingml/2006/main" xmlns:r="http://schemas.openxmlformats.org/officeDocument/2006/relationships" xmlns:p="http://schemas.openxmlformats.org/presentationml/2006/main">
+  <p:cSld>
+    <p:spTree>
+      <p:nvGrpSpPr>
+        <p:cNvPr id="1" name=""/>
+        <p:cNvGrpSpPr/>
+        <p:nvPr/>
+      </p:nvGrpSpPr>
+      <p:grpSpPr>
+        <a:xfrm>
+          <a:off x="0" y="0"/>
+          <a:ext cx="0" cy="0"/>
+          <a:chOff x="0" y="0"/>
+          <a:chExt cx="0" cy="0"/>
+        </a:xfrm>
+      </p:grpSpPr>
+      <p:sp>
+        <p:nvSpPr>
+          <p:cNvPr id="2" name="Freeform 2"/>
+          <p:cNvSpPr/>
+          <p:nvPr/>
+        </p:nvSpPr>
+        <p:spPr>
+          <a:xfrm>
+            <a:off x="0" y="-23352"/>
+            <a:ext cx="18288000" cy="10287000"/>
+          </a:xfrm>
+          <a:custGeom>
+            <a:avLst/>
+            <a:gdLst/>
+            <a:ahLst/>
+            <a:cxnLst/>
+            <a:rect l="l" t="t" r="r" b="b"/>
+            <a:pathLst>
+              <a:path w="18288000" h="10287000">
+                <a:moveTo>
+                  <a:pt x="0" y="0"/>
+                </a:moveTo>
+                <a:lnTo>
+                  <a:pt x="18288000" y="0"/>
+                </a:lnTo>
+                <a:lnTo>
+                  <a:pt x="18288000" y="10287000"/>
+                </a:lnTo>
+                <a:lnTo>
+                  <a:pt x="0" y="10287000"/>
+                </a:lnTo>
+                <a:lnTo>
+                  <a:pt x="0" y="0"/>
+                </a:lnTo>
+                <a:close/>
+              </a:path>
+            </a:pathLst>
+          </a:custGeom>
+          <a:blipFill>
+            <a:blip r:embed="rId2"/>
+            <a:stretch>
+              <a:fillRect t="-38888" b="-38888"/>
+            </a:stretch>
+          </a:blipFill>
+        </p:spPr>
+      </p:sp>
+      <p:sp>
+        <p:nvSpPr>
+          <p:cNvPr id="3" name="TextBox 2">
+            <a:extLst>
+              <a:ext uri="{FF2B5EF4-FFF2-40B4-BE49-F238E27FC236}">
+                <a16:creationId xmlns:a16="http://schemas.microsoft.com/office/drawing/2014/main" id="{C18E08FF-2D5A-0B86-B073-50801ED04401}"/>
+              </a:ext>
+            </a:extLst>
+          </p:cNvPr>
+          <p:cNvSpPr txBox="1"/>
+          <p:nvPr/>
+        </p:nvSpPr>
+        <p:spPr>
+          <a:xfrm>
+            <a:off x="609600" y="495300"/>
+            <a:ext cx="16916400" cy="707886"/>
+          </a:xfrm>
+          <a:prstGeom prst="rect">
+            <a:avLst/>
+          </a:prstGeom>
+          <a:noFill/>
+        </p:spPr>
+        <p:txBody>
+          <a:bodyPr wrap="square" rtlCol="0">
+            <a:spAutoFit/>
+          </a:bodyPr>
+          <a:lstStyle/>
+          <a:p>
+            <a:r>
+              <a:rPr lang="en-US" sz="4000" dirty="0">
+                <a:solidFill>
+                  <a:schemeClr val="bg1"/>
+                </a:solidFill>
+                <a:latin typeface="TT Octosquares Compressed" panose="020B0604020202020204" charset="0"/>
+              </a:rPr>
+              <a:t>PCB DIAGRAM:</a:t>
+            </a:r>
+            <a:endParaRPr lang="en-IN" sz="4000" dirty="0">
+              <a:solidFill>
+                <a:schemeClr val="bg1"/>
+              </a:solidFill>
+              <a:latin typeface="TT Octosquares Compressed" panose="020B0604020202020204" charset="0"/>
+            </a:endParaRPr>
+          </a:p>
+        </p:txBody>
+      </p:sp>
+      <p:pic>
+        <p:nvPicPr>
+          <p:cNvPr id="5" name="Picture 4">
+            <a:extLst>
+              <a:ext uri="{FF2B5EF4-FFF2-40B4-BE49-F238E27FC236}">
+                <a16:creationId xmlns:a16="http://schemas.microsoft.com/office/drawing/2014/main" id="{1FAB796F-A092-05AA-238F-6A66E5CFC7CE}"/>
+              </a:ext>
+            </a:extLst>
+          </p:cNvPr>
+          <p:cNvPicPr>
+            <a:picLocks noChangeAspect="1"/>
+          </p:cNvPicPr>
+          <p:nvPr/>
+        </p:nvPicPr>
+        <p:blipFill>
+          <a:blip r:embed="rId3"/>
+          <a:stretch>
+            <a:fillRect/>
+          </a:stretch>
+        </p:blipFill>
+        <p:spPr>
+          <a:xfrm>
+            <a:off x="2057400" y="1390243"/>
+            <a:ext cx="12368811" cy="8401457"/>
+          </a:xfrm>
+          <a:prstGeom prst="rect">
+            <a:avLst/>
+          </a:prstGeom>
+        </p:spPr>
+      </p:pic>
+    </p:spTree>
+  </p:cSld>
+  <p:clrMapOvr>
+    <a:masterClrMapping/>
+  </p:clrMapOvr>
+</p:sld>
+</file>
+
+<file path=ppt/slides/slide9.xml><?xml version="1.0" encoding="utf-8"?>
+<p:sld xmlns:a="http://schemas.openxmlformats.org/drawingml/2006/main" xmlns:r="http://schemas.openxmlformats.org/officeDocument/2006/relationships" xmlns:p="http://schemas.openxmlformats.org/presentationml/2006/main">
+  <p:cSld>
+    <p:spTree>
+      <p:nvGrpSpPr>
+        <p:cNvPr id="1" name="">
+          <a:extLst>
+            <a:ext uri="{FF2B5EF4-FFF2-40B4-BE49-F238E27FC236}">
+              <a16:creationId xmlns:a16="http://schemas.microsoft.com/office/drawing/2014/main" id="{69A5067A-9E8F-E6E3-0688-D5F7A8C5CA15}"/>
+            </a:ext>
+          </a:extLst>
+        </p:cNvPr>
+        <p:cNvGrpSpPr/>
+        <p:nvPr/>
+      </p:nvGrpSpPr>
+      <p:grpSpPr>
+        <a:xfrm>
+          <a:off x="0" y="0"/>
+          <a:ext cx="0" cy="0"/>
+          <a:chOff x="0" y="0"/>
+          <a:chExt cx="0" cy="0"/>
+        </a:xfrm>
+      </p:grpSpPr>
+      <p:sp>
+        <p:nvSpPr>
+          <p:cNvPr id="2" name="Freeform 2">
+            <a:extLst>
+              <a:ext uri="{FF2B5EF4-FFF2-40B4-BE49-F238E27FC236}">
+                <a16:creationId xmlns:a16="http://schemas.microsoft.com/office/drawing/2014/main" id="{1FDBED72-1AE5-5D41-3482-D738AA55A720}"/>
+              </a:ext>
+            </a:extLst>
+          </p:cNvPr>
+          <p:cNvSpPr/>
+          <p:nvPr/>
+        </p:nvSpPr>
+        <p:spPr>
+          <a:xfrm>
+            <a:off x="0" y="0"/>
+            <a:ext cx="18288000" cy="10287000"/>
+          </a:xfrm>
+          <a:custGeom>
+            <a:avLst/>
+            <a:gdLst/>
+            <a:ahLst/>
+            <a:cxnLst/>
+            <a:rect l="l" t="t" r="r" b="b"/>
+            <a:pathLst>
+              <a:path w="18288000" h="10287000">
+                <a:moveTo>
+                  <a:pt x="0" y="0"/>
+                </a:moveTo>
+                <a:lnTo>
+                  <a:pt x="18288000" y="0"/>
+                </a:lnTo>
+                <a:lnTo>
+                  <a:pt x="18288000" y="10287000"/>
+                </a:lnTo>
+                <a:lnTo>
+                  <a:pt x="0" y="10287000"/>
+                </a:lnTo>
+                <a:lnTo>
+                  <a:pt x="0" y="0"/>
+                </a:lnTo>
+                <a:close/>
+              </a:path>
+            </a:pathLst>
+          </a:custGeom>
+          <a:blipFill>
+            <a:blip r:embed="rId2"/>
+            <a:stretch>
+              <a:fillRect t="-38888" b="-38888"/>
+            </a:stretch>
+          </a:blipFill>
+        </p:spPr>
+        <p:txBody>
+          <a:bodyPr/>
+          <a:lstStyle/>
+          <a:p>
+            <a:endParaRPr lang="en-IN" dirty="0"/>
+          </a:p>
+        </p:txBody>
+      </p:sp>
+      <p:sp>
+        <p:nvSpPr>
+          <p:cNvPr id="3" name="TextBox 2">
+            <a:extLst>
+              <a:ext uri="{FF2B5EF4-FFF2-40B4-BE49-F238E27FC236}">
+                <a16:creationId xmlns:a16="http://schemas.microsoft.com/office/drawing/2014/main" id="{E46EB138-8AB2-24DC-AF99-94F3A4C087D6}"/>
+              </a:ext>
+            </a:extLst>
+          </p:cNvPr>
+          <p:cNvSpPr txBox="1"/>
+          <p:nvPr/>
+        </p:nvSpPr>
+        <p:spPr>
+          <a:xfrm>
+            <a:off x="685800" y="495300"/>
+            <a:ext cx="16764000" cy="3539430"/>
+          </a:xfrm>
+          <a:prstGeom prst="rect">
+            <a:avLst/>
+          </a:prstGeom>
+          <a:noFill/>
+        </p:spPr>
+        <p:txBody>
+          <a:bodyPr wrap="square" rtlCol="0">
+            <a:spAutoFit/>
+          </a:bodyPr>
+          <a:lstStyle/>
+          <a:p>
+            <a:r>
+              <a:rPr lang="en-US" sz="3200" dirty="0">
+                <a:solidFill>
+                  <a:schemeClr val="bg1"/>
+                </a:solidFill>
+                <a:latin typeface="TT Octosquares Compressed" panose="020B0604020202020204" charset="0"/>
+              </a:rPr>
+              <a:t>References:</a:t>
+            </a:r>
+          </a:p>
+          <a:p>
+            <a:r>
+              <a:rPr lang="en-US" sz="3200" dirty="0">
+                <a:solidFill>
+                  <a:schemeClr val="bg1"/>
+                </a:solidFill>
+                <a:latin typeface="TT Octosquares Compressed" panose="020B0604020202020204" charset="0"/>
+              </a:rPr>
+              <a:t>	Google.com</a:t>
+            </a:r>
+          </a:p>
+          <a:p>
+            <a:r>
+              <a:rPr lang="en-US" sz="3200" dirty="0">
+                <a:solidFill>
+                  <a:schemeClr val="bg1"/>
+                </a:solidFill>
+                <a:latin typeface="TT Octosquares Compressed" panose="020B0604020202020204" charset="0"/>
+              </a:rPr>
+              <a:t>	ChatGPT</a:t>
+            </a:r>
+          </a:p>
+          <a:p>
+            <a:endParaRPr lang="en-US" sz="3200" dirty="0">
+              <a:solidFill>
+                <a:schemeClr val="bg1"/>
+              </a:solidFill>
+              <a:latin typeface="TT Octosquares Compressed" panose="020B0604020202020204" charset="0"/>
+            </a:endParaRPr>
+          </a:p>
+          <a:p>
+            <a:r>
+              <a:rPr lang="en-US" sz="3200" dirty="0">
+                <a:solidFill>
+                  <a:schemeClr val="bg1"/>
+                </a:solidFill>
+                <a:latin typeface="TT Octosquares Compressed" panose="020B0604020202020204" charset="0"/>
+              </a:rPr>
+              <a:t>Availability Of Components:</a:t>
+            </a:r>
+          </a:p>
+          <a:p>
+            <a:endParaRPr lang="en-US" sz="3200" dirty="0">
+              <a:solidFill>
+                <a:schemeClr val="bg1"/>
+              </a:solidFill>
+              <a:latin typeface="TT Octosquares Compressed" panose="020B0604020202020204" charset="0"/>
+            </a:endParaRPr>
+          </a:p>
+          <a:p>
+            <a:endParaRPr lang="en-US" sz="3200" dirty="0">
+              <a:solidFill>
+                <a:schemeClr val="bg1"/>
+              </a:solidFill>
+              <a:latin typeface="TT Octosquares Compressed" panose="020B0604020202020204" charset="0"/>
+            </a:endParaRPr>
+          </a:p>
+        </p:txBody>
+      </p:sp>
+      <p:sp>
+        <p:nvSpPr>
+          <p:cNvPr id="9" name="Rectangle 5">
+            <a:extLst>
+              <a:ext uri="{FF2B5EF4-FFF2-40B4-BE49-F238E27FC236}">
+                <a16:creationId xmlns:a16="http://schemas.microsoft.com/office/drawing/2014/main" id="{D679EEE8-5FD5-4B0A-79C9-0F3999E5F44C}"/>
+              </a:ext>
+            </a:extLst>
+          </p:cNvPr>
+          <p:cNvSpPr>
+            <a:spLocks noChangeArrowheads="1"/>
+          </p:cNvSpPr>
+          <p:nvPr/>
+        </p:nvSpPr>
+        <p:spPr bwMode="auto">
+          <a:xfrm>
+            <a:off x="838200" y="2265015"/>
+            <a:ext cx="13487400" cy="7768473"/>
+          </a:xfrm>
+          <a:prstGeom prst="rect">
+            <a:avLst/>
+          </a:prstGeom>
+          <a:noFill/>
+          <a:ln>
+            <a:noFill/>
+          </a:ln>
+          <a:effectLst/>
+          <a:extLst>
+            <a:ext uri="{909E8E84-426E-40DD-AFC4-6F175D3DCCD1}">
+              <a14:hiddenFill xmlns:a14="http://schemas.microsoft.com/office/drawing/2010/main">
+                <a:solidFill>
+                  <a:schemeClr val="accent1"/>
+                </a:solidFill>
+              </a14:hiddenFill>
+            </a:ext>
+            <a:ext uri="{91240B29-F687-4F45-9708-019B960494DF}">
+              <a14:hiddenLine xmlns:a14="http://schemas.microsoft.com/office/drawing/2010/main" w="9525">
+                <a:solidFill>
+                  <a:schemeClr val="tx1"/>
+                </a:solidFill>
+                <a:miter lim="800000"/>
+                <a:headEnd/>
+                <a:tailEnd/>
+              </a14:hiddenLine>
+            </a:ext>
+            <a:ext uri="{AF507438-7753-43E0-B8FC-AC1667EBCBE1}">
+              <a14:hiddenEffects xmlns:a14="http://schemas.microsoft.com/office/drawing/2010/main">
+                <a:effectLst>
+                  <a:outerShdw dist="35921" dir="2700000" algn="ctr" rotWithShape="0">
+                    <a:schemeClr val="bg2"/>
+                  </a:outerShdw>
+                </a:effectLst>
+              </a14:hiddenEffects>
+            </a:ext>
+          </a:extLst>
+        </p:spPr>
+        <p:txBody>
+          <a:bodyPr vert="horz" wrap="square" lIns="91440" tIns="45720" rIns="91440" bIns="45720" numCol="1" anchor="ctr" anchorCtr="0" compatLnSpc="1">
+            <a:prstTxWarp prst="textNoShape">
+              <a:avLst/>
+            </a:prstTxWarp>
+            <a:spAutoFit/>
+          </a:bodyPr>
+          <a:lstStyle/>
+          <a:p>
+            <a:pPr marL="0" marR="0" lvl="0" indent="0" algn="l" defTabSz="914400" rtl="0" eaLnBrk="0" fontAlgn="base" latinLnBrk="0" hangingPunct="0">
+              <a:lnSpc>
+                <a:spcPct val="150000"/>
+              </a:lnSpc>
+              <a:spcBef>
+                <a:spcPct val="0"/>
+              </a:spcBef>
+              <a:spcAft>
+                <a:spcPct val="0"/>
+              </a:spcAft>
+              <a:buClrTx/>
+              <a:buSzTx/>
+              <a:tabLst/>
+            </a:pPr>
+            <a:endParaRPr lang="en-US" altLang="en-US" sz="2800" b="1" dirty="0">
+              <a:solidFill>
+                <a:schemeClr val="bg1"/>
+              </a:solidFill>
+              <a:latin typeface="TT Octosquares Compressed" panose="020B0604020202020204" charset="0"/>
+            </a:endParaRPr>
+          </a:p>
+          <a:p>
+            <a:pPr marL="0" marR="0" lvl="0" indent="0" algn="l" defTabSz="914400" rtl="0" eaLnBrk="0" fontAlgn="base" latinLnBrk="0" hangingPunct="0">
+              <a:lnSpc>
+                <a:spcPct val="150000"/>
+              </a:lnSpc>
+              <a:spcBef>
+                <a:spcPct val="0"/>
+              </a:spcBef>
+              <a:spcAft>
+                <a:spcPct val="0"/>
+              </a:spcAft>
+              <a:buClrTx/>
+              <a:buSzTx/>
+              <a:buFontTx/>
+              <a:buChar char="•"/>
+              <a:tabLst/>
+            </a:pPr>
+            <a:r>
+              <a:rPr kumimoji="0" lang="en-US" altLang="en-US" sz="2800" b="1" i="0" u="none" strike="noStrike" cap="none" normalizeH="0" baseline="0" dirty="0">
+                <a:ln>
+                  <a:noFill/>
+                </a:ln>
+                <a:solidFill>
+                  <a:schemeClr val="bg1"/>
+                </a:solidFill>
+                <a:effectLst/>
+                <a:latin typeface="TT Octosquares Compressed" panose="020B0604020202020204" charset="0"/>
+              </a:rPr>
+              <a:t>ESP32-S3 Dev Module</a:t>
+            </a:r>
+            <a:r>
+              <a:rPr kumimoji="0" lang="en-US" altLang="en-US" sz="2800" b="0" i="0" u="none" strike="noStrike" cap="none" normalizeH="0" baseline="0" dirty="0">
+                <a:ln>
+                  <a:noFill/>
+                </a:ln>
+                <a:solidFill>
+                  <a:schemeClr val="bg1"/>
+                </a:solidFill>
+                <a:effectLst/>
+                <a:latin typeface="TT Octosquares Compressed" panose="020B0604020202020204" charset="0"/>
+              </a:rPr>
+              <a:t> - </a:t>
+            </a:r>
+            <a:r>
+              <a:rPr kumimoji="0" lang="en-US" altLang="en-US" sz="2800" b="0" i="0" u="none" strike="noStrike" cap="none" normalizeH="0" baseline="0" dirty="0" err="1">
+                <a:ln>
+                  <a:noFill/>
+                </a:ln>
+                <a:solidFill>
+                  <a:schemeClr val="bg1"/>
+                </a:solidFill>
+                <a:effectLst/>
+                <a:latin typeface="TT Octosquares Compressed" panose="020B0604020202020204" charset="0"/>
+              </a:rPr>
+              <a:t>Espressif</a:t>
+            </a:r>
+            <a:r>
+              <a:rPr kumimoji="0" lang="en-US" altLang="en-US" sz="2800" b="0" i="0" u="none" strike="noStrike" cap="none" normalizeH="0" baseline="0" dirty="0">
+                <a:ln>
+                  <a:noFill/>
+                </a:ln>
+                <a:solidFill>
+                  <a:schemeClr val="bg1"/>
+                </a:solidFill>
+                <a:effectLst/>
+                <a:latin typeface="TT Octosquares Compressed" panose="020B0604020202020204" charset="0"/>
+              </a:rPr>
+              <a:t> </a:t>
+            </a:r>
+          </a:p>
+          <a:p>
+            <a:pPr marL="0" marR="0" lvl="0" indent="0" algn="l" defTabSz="914400" rtl="0" eaLnBrk="0" fontAlgn="base" latinLnBrk="0" hangingPunct="0">
+              <a:lnSpc>
+                <a:spcPct val="150000"/>
+              </a:lnSpc>
+              <a:spcBef>
+                <a:spcPct val="0"/>
+              </a:spcBef>
+              <a:spcAft>
+                <a:spcPct val="0"/>
+              </a:spcAft>
+              <a:buClrTx/>
+              <a:buSzTx/>
+              <a:buFontTx/>
+              <a:buChar char="•"/>
+              <a:tabLst/>
+            </a:pPr>
+            <a:r>
+              <a:rPr kumimoji="0" lang="en-US" altLang="en-US" sz="2800" b="1" i="0" u="none" strike="noStrike" cap="none" normalizeH="0" baseline="0" dirty="0">
+                <a:ln>
+                  <a:noFill/>
+                </a:ln>
+                <a:solidFill>
+                  <a:schemeClr val="bg1"/>
+                </a:solidFill>
+                <a:effectLst/>
+                <a:latin typeface="TT Octosquares Compressed" panose="020B0604020202020204" charset="0"/>
+              </a:rPr>
+              <a:t>MQ-135 Gas Sensor</a:t>
+            </a:r>
+            <a:r>
+              <a:rPr kumimoji="0" lang="en-US" altLang="en-US" sz="2800" b="0" i="0" u="none" strike="noStrike" cap="none" normalizeH="0" baseline="0" dirty="0">
+                <a:ln>
+                  <a:noFill/>
+                </a:ln>
+                <a:solidFill>
+                  <a:schemeClr val="bg1"/>
+                </a:solidFill>
+                <a:effectLst/>
+                <a:latin typeface="TT Octosquares Compressed" panose="020B0604020202020204" charset="0"/>
+              </a:rPr>
+              <a:t> - </a:t>
+            </a:r>
+            <a:r>
+              <a:rPr kumimoji="0" lang="en-US" altLang="en-US" sz="2800" b="0" i="0" u="none" strike="noStrike" cap="none" normalizeH="0" baseline="0" dirty="0" err="1">
+                <a:ln>
+                  <a:noFill/>
+                </a:ln>
+                <a:solidFill>
+                  <a:schemeClr val="bg1"/>
+                </a:solidFill>
+                <a:effectLst/>
+                <a:latin typeface="TT Octosquares Compressed" panose="020B0604020202020204" charset="0"/>
+              </a:rPr>
+              <a:t>Instructables</a:t>
+            </a:r>
+            <a:r>
+              <a:rPr kumimoji="0" lang="en-US" altLang="en-US" sz="2800" b="0" i="0" u="none" strike="noStrike" cap="none" normalizeH="0" baseline="0" dirty="0">
+                <a:ln>
+                  <a:noFill/>
+                </a:ln>
+                <a:solidFill>
+                  <a:schemeClr val="bg1"/>
+                </a:solidFill>
+                <a:effectLst/>
+                <a:latin typeface="TT Octosquares Compressed" panose="020B0604020202020204" charset="0"/>
+              </a:rPr>
+              <a:t> </a:t>
+            </a:r>
+          </a:p>
+          <a:p>
+            <a:pPr marL="0" marR="0" lvl="0" indent="0" algn="l" defTabSz="914400" rtl="0" eaLnBrk="0" fontAlgn="base" latinLnBrk="0" hangingPunct="0">
+              <a:lnSpc>
+                <a:spcPct val="150000"/>
+              </a:lnSpc>
+              <a:spcBef>
+                <a:spcPct val="0"/>
+              </a:spcBef>
+              <a:spcAft>
+                <a:spcPct val="0"/>
+              </a:spcAft>
+              <a:buClrTx/>
+              <a:buSzTx/>
+              <a:buFontTx/>
+              <a:buChar char="•"/>
+              <a:tabLst/>
+            </a:pPr>
+            <a:r>
+              <a:rPr kumimoji="0" lang="en-US" altLang="en-US" sz="2800" b="1" i="0" u="none" strike="noStrike" cap="none" normalizeH="0" baseline="0" dirty="0">
+                <a:ln>
+                  <a:noFill/>
+                </a:ln>
+                <a:solidFill>
+                  <a:schemeClr val="bg1"/>
+                </a:solidFill>
+                <a:effectLst/>
+                <a:latin typeface="TT Octosquares Compressed" panose="020B0604020202020204" charset="0"/>
+              </a:rPr>
+              <a:t>Sound Sensor Module</a:t>
+            </a:r>
+            <a:r>
+              <a:rPr kumimoji="0" lang="en-US" altLang="en-US" sz="2800" b="0" i="0" u="none" strike="noStrike" cap="none" normalizeH="0" baseline="0" dirty="0">
+                <a:ln>
+                  <a:noFill/>
+                </a:ln>
+                <a:solidFill>
+                  <a:schemeClr val="bg1"/>
+                </a:solidFill>
+                <a:effectLst/>
+                <a:latin typeface="TT Octosquares Compressed" panose="020B0604020202020204" charset="0"/>
+              </a:rPr>
+              <a:t> - 29 Free Guides for Sensors and Modules </a:t>
+            </a:r>
+          </a:p>
+          <a:p>
+            <a:pPr marL="0" marR="0" lvl="0" indent="0" algn="l" defTabSz="914400" rtl="0" eaLnBrk="0" fontAlgn="base" latinLnBrk="0" hangingPunct="0">
+              <a:lnSpc>
+                <a:spcPct val="150000"/>
+              </a:lnSpc>
+              <a:spcBef>
+                <a:spcPct val="0"/>
+              </a:spcBef>
+              <a:spcAft>
+                <a:spcPct val="0"/>
+              </a:spcAft>
+              <a:buClrTx/>
+              <a:buSzTx/>
+              <a:buFontTx/>
+              <a:buChar char="•"/>
+              <a:tabLst/>
+            </a:pPr>
+            <a:r>
+              <a:rPr kumimoji="0" lang="en-US" altLang="en-US" sz="2800" b="1" i="0" u="none" strike="noStrike" cap="none" normalizeH="0" baseline="0" dirty="0">
+                <a:ln>
+                  <a:noFill/>
+                </a:ln>
+                <a:solidFill>
+                  <a:schemeClr val="bg1"/>
+                </a:solidFill>
+                <a:effectLst/>
+                <a:latin typeface="TT Octosquares Compressed" panose="020B0604020202020204" charset="0"/>
+              </a:rPr>
+              <a:t>Voltage Booster</a:t>
+            </a:r>
+            <a:r>
+              <a:rPr kumimoji="0" lang="en-US" altLang="en-US" sz="2800" b="0" i="0" u="none" strike="noStrike" cap="none" normalizeH="0" baseline="0" dirty="0">
+                <a:ln>
+                  <a:noFill/>
+                </a:ln>
+                <a:solidFill>
+                  <a:schemeClr val="bg1"/>
+                </a:solidFill>
+                <a:effectLst/>
+                <a:latin typeface="TT Octosquares Compressed" panose="020B0604020202020204" charset="0"/>
+              </a:rPr>
+              <a:t> - 29 Free Guides for Sensors and Modules </a:t>
+            </a:r>
+          </a:p>
+          <a:p>
+            <a:pPr marL="0" marR="0" lvl="0" indent="0" algn="l" defTabSz="914400" rtl="0" eaLnBrk="0" fontAlgn="base" latinLnBrk="0" hangingPunct="0">
+              <a:lnSpc>
+                <a:spcPct val="150000"/>
+              </a:lnSpc>
+              <a:spcBef>
+                <a:spcPct val="0"/>
+              </a:spcBef>
+              <a:spcAft>
+                <a:spcPct val="0"/>
+              </a:spcAft>
+              <a:buClrTx/>
+              <a:buSzTx/>
+              <a:buFontTx/>
+              <a:buChar char="•"/>
+              <a:tabLst/>
+            </a:pPr>
+            <a:r>
+              <a:rPr kumimoji="0" lang="en-US" altLang="en-US" sz="2800" b="1" i="0" u="none" strike="noStrike" cap="none" normalizeH="0" baseline="0" dirty="0">
+                <a:ln>
+                  <a:noFill/>
+                </a:ln>
+                <a:solidFill>
+                  <a:schemeClr val="bg1"/>
+                </a:solidFill>
+                <a:effectLst/>
+                <a:latin typeface="TT Octosquares Compressed" panose="020B0604020202020204" charset="0"/>
+              </a:rPr>
+              <a:t>Dust Sensor</a:t>
+            </a:r>
+            <a:r>
+              <a:rPr kumimoji="0" lang="en-US" altLang="en-US" sz="2800" b="0" i="0" u="none" strike="noStrike" cap="none" normalizeH="0" baseline="0" dirty="0">
+                <a:ln>
+                  <a:noFill/>
+                </a:ln>
+                <a:solidFill>
+                  <a:schemeClr val="bg1"/>
+                </a:solidFill>
+                <a:effectLst/>
+                <a:latin typeface="TT Octosquares Compressed" panose="020B0604020202020204" charset="0"/>
+              </a:rPr>
+              <a:t> - 29 Free Guides for Sensors and Modules </a:t>
+            </a:r>
+          </a:p>
+          <a:p>
+            <a:pPr marL="0" marR="0" lvl="0" indent="0" algn="l" defTabSz="914400" rtl="0" eaLnBrk="0" fontAlgn="base" latinLnBrk="0" hangingPunct="0">
+              <a:lnSpc>
+                <a:spcPct val="150000"/>
+              </a:lnSpc>
+              <a:spcBef>
+                <a:spcPct val="0"/>
+              </a:spcBef>
+              <a:spcAft>
+                <a:spcPct val="0"/>
+              </a:spcAft>
+              <a:buClrTx/>
+              <a:buSzTx/>
+              <a:buFontTx/>
+              <a:buChar char="•"/>
+              <a:tabLst/>
+            </a:pPr>
+            <a:r>
+              <a:rPr kumimoji="0" lang="en-US" altLang="en-US" sz="2800" b="1" i="0" u="none" strike="noStrike" cap="none" normalizeH="0" baseline="0" dirty="0">
+                <a:ln>
+                  <a:noFill/>
+                </a:ln>
+                <a:solidFill>
+                  <a:schemeClr val="bg1"/>
+                </a:solidFill>
+                <a:effectLst/>
+                <a:latin typeface="TT Octosquares Compressed" panose="020B0604020202020204" charset="0"/>
+              </a:rPr>
+              <a:t>Hall Effect Sensor</a:t>
+            </a:r>
+            <a:r>
+              <a:rPr kumimoji="0" lang="en-US" altLang="en-US" sz="2800" b="0" i="0" u="none" strike="noStrike" cap="none" normalizeH="0" baseline="0" dirty="0">
+                <a:ln>
+                  <a:noFill/>
+                </a:ln>
+                <a:solidFill>
+                  <a:schemeClr val="bg1"/>
+                </a:solidFill>
+                <a:effectLst/>
+                <a:latin typeface="TT Octosquares Compressed" panose="020B0604020202020204" charset="0"/>
+              </a:rPr>
+              <a:t> - 29 Free Guides for Sensors and Modules </a:t>
+            </a:r>
+          </a:p>
+          <a:p>
+            <a:pPr marL="0" marR="0" lvl="0" indent="0" algn="l" defTabSz="914400" rtl="0" eaLnBrk="0" fontAlgn="base" latinLnBrk="0" hangingPunct="0">
+              <a:lnSpc>
+                <a:spcPct val="150000"/>
+              </a:lnSpc>
+              <a:spcBef>
+                <a:spcPct val="0"/>
+              </a:spcBef>
+              <a:spcAft>
+                <a:spcPct val="0"/>
+              </a:spcAft>
+              <a:buClrTx/>
+              <a:buSzTx/>
+              <a:buFontTx/>
+              <a:buChar char="•"/>
+              <a:tabLst/>
+            </a:pPr>
+            <a:r>
+              <a:rPr kumimoji="0" lang="en-US" altLang="en-US" sz="2800" b="1" i="0" u="none" strike="noStrike" cap="none" normalizeH="0" baseline="0" dirty="0">
+                <a:ln>
+                  <a:noFill/>
+                </a:ln>
+                <a:solidFill>
+                  <a:schemeClr val="bg1"/>
+                </a:solidFill>
+                <a:effectLst/>
+                <a:latin typeface="TT Octosquares Compressed" panose="020B0604020202020204" charset="0"/>
+              </a:rPr>
+              <a:t>MAX471 Current and Voltage Sensor</a:t>
+            </a:r>
+            <a:r>
+              <a:rPr kumimoji="0" lang="en-US" altLang="en-US" sz="2800" b="0" i="0" u="none" strike="noStrike" cap="none" normalizeH="0" baseline="0" dirty="0">
+                <a:ln>
+                  <a:noFill/>
+                </a:ln>
+                <a:solidFill>
+                  <a:schemeClr val="bg1"/>
+                </a:solidFill>
+                <a:effectLst/>
+                <a:latin typeface="TT Octosquares Compressed" panose="020B0604020202020204" charset="0"/>
+              </a:rPr>
+              <a:t> - 29 Free Guides for Sensors and Modules </a:t>
+            </a:r>
+          </a:p>
+          <a:p>
+            <a:pPr marL="0" marR="0" lvl="0" indent="0" algn="l" defTabSz="914400" rtl="0" eaLnBrk="0" fontAlgn="base" latinLnBrk="0" hangingPunct="0">
+              <a:lnSpc>
+                <a:spcPct val="150000"/>
+              </a:lnSpc>
+              <a:spcBef>
+                <a:spcPct val="0"/>
+              </a:spcBef>
+              <a:spcAft>
+                <a:spcPct val="0"/>
+              </a:spcAft>
+              <a:buClrTx/>
+              <a:buSzTx/>
+              <a:buFontTx/>
+              <a:buChar char="•"/>
+              <a:tabLst/>
+            </a:pPr>
+            <a:r>
+              <a:rPr kumimoji="0" lang="en-US" altLang="en-US" sz="2800" b="1" i="0" u="none" strike="noStrike" cap="none" normalizeH="0" baseline="0" dirty="0">
+                <a:ln>
+                  <a:noFill/>
+                </a:ln>
+                <a:solidFill>
+                  <a:schemeClr val="bg1"/>
+                </a:solidFill>
+                <a:effectLst/>
+                <a:latin typeface="TT Octosquares Compressed" panose="020B0604020202020204" charset="0"/>
+              </a:rPr>
+              <a:t>OLED Display</a:t>
+            </a:r>
+            <a:r>
+              <a:rPr kumimoji="0" lang="en-US" altLang="en-US" sz="2800" b="0" i="0" u="none" strike="noStrike" cap="none" normalizeH="0" baseline="0" dirty="0">
+                <a:ln>
+                  <a:noFill/>
+                </a:ln>
+                <a:solidFill>
+                  <a:schemeClr val="bg1"/>
+                </a:solidFill>
+                <a:effectLst/>
+                <a:latin typeface="TT Octosquares Compressed" panose="020B0604020202020204" charset="0"/>
+              </a:rPr>
+              <a:t> - 29 Free Guides for Sensors and Modules </a:t>
+            </a:r>
+          </a:p>
+          <a:p>
+            <a:pPr marL="0" marR="0" lvl="0" indent="0" algn="l" defTabSz="914400" rtl="0" eaLnBrk="0" fontAlgn="base" latinLnBrk="0" hangingPunct="0">
+              <a:lnSpc>
+                <a:spcPct val="150000"/>
+              </a:lnSpc>
+              <a:spcBef>
+                <a:spcPct val="0"/>
+              </a:spcBef>
+              <a:spcAft>
+                <a:spcPct val="0"/>
+              </a:spcAft>
+              <a:buClrTx/>
+              <a:buSzTx/>
+              <a:buFontTx/>
+              <a:buChar char="•"/>
+              <a:tabLst/>
+            </a:pPr>
+            <a:r>
+              <a:rPr kumimoji="0" lang="en-US" altLang="en-US" sz="2800" b="1" i="0" u="none" strike="noStrike" cap="none" normalizeH="0" baseline="0" dirty="0">
+                <a:ln>
+                  <a:noFill/>
+                </a:ln>
+                <a:solidFill>
+                  <a:schemeClr val="bg1"/>
+                </a:solidFill>
+                <a:effectLst/>
+                <a:latin typeface="TT Octosquares Compressed" panose="020B0604020202020204" charset="0"/>
+              </a:rPr>
+              <a:t>BME280 Environmental Sensor</a:t>
+            </a:r>
+            <a:r>
+              <a:rPr kumimoji="0" lang="en-US" altLang="en-US" sz="2800" b="0" i="0" u="none" strike="noStrike" cap="none" normalizeH="0" baseline="0" dirty="0">
+                <a:ln>
+                  <a:noFill/>
+                </a:ln>
+                <a:solidFill>
+                  <a:schemeClr val="bg1"/>
+                </a:solidFill>
+                <a:effectLst/>
+                <a:latin typeface="TT Octosquares Compressed" panose="020B0604020202020204" charset="0"/>
+              </a:rPr>
+              <a:t> - 29 Free Guides for Sensors and Modules </a:t>
+            </a:r>
+          </a:p>
+          <a:p>
+            <a:pPr marL="0" marR="0" lvl="0" indent="0" algn="l" defTabSz="914400" rtl="0" eaLnBrk="0" fontAlgn="base" latinLnBrk="0" hangingPunct="0">
+              <a:lnSpc>
+                <a:spcPct val="150000"/>
+              </a:lnSpc>
+              <a:spcBef>
+                <a:spcPct val="0"/>
+              </a:spcBef>
+              <a:spcAft>
+                <a:spcPct val="0"/>
+              </a:spcAft>
+              <a:buClrTx/>
+              <a:buSzTx/>
+              <a:buFontTx/>
+              <a:buChar char="•"/>
+              <a:tabLst/>
+            </a:pPr>
+            <a:r>
+              <a:rPr kumimoji="0" lang="en-US" altLang="en-US" sz="2800" b="1" i="0" u="none" strike="noStrike" cap="none" normalizeH="0" baseline="0" dirty="0">
+                <a:ln>
+                  <a:noFill/>
+                </a:ln>
+                <a:solidFill>
+                  <a:schemeClr val="bg1"/>
+                </a:solidFill>
+                <a:effectLst/>
+                <a:latin typeface="TT Octosquares Compressed" panose="020B0604020202020204" charset="0"/>
+              </a:rPr>
+              <a:t>Solar Panel</a:t>
+            </a:r>
+            <a:r>
+              <a:rPr kumimoji="0" lang="en-US" altLang="en-US" sz="2800" b="0" i="0" u="none" strike="noStrike" cap="none" normalizeH="0" baseline="0" dirty="0">
+                <a:ln>
+                  <a:noFill/>
+                </a:ln>
+                <a:solidFill>
+                  <a:schemeClr val="bg1"/>
+                </a:solidFill>
+                <a:effectLst/>
+                <a:latin typeface="TT Octosquares Compressed" panose="020B0604020202020204" charset="0"/>
+              </a:rPr>
+              <a:t> - 29 Free Guides for Sensors and Modules </a:t>
+            </a:r>
+          </a:p>
+          <a:p>
+            <a:pPr marL="0" marR="0" lvl="0" indent="0" algn="l" defTabSz="914400" rtl="0" eaLnBrk="0" fontAlgn="base" latinLnBrk="0" hangingPunct="0">
+              <a:lnSpc>
+                <a:spcPct val="150000"/>
+              </a:lnSpc>
+              <a:spcBef>
+                <a:spcPct val="0"/>
+              </a:spcBef>
+              <a:spcAft>
+                <a:spcPct val="0"/>
+              </a:spcAft>
+              <a:buClrTx/>
+              <a:buSzTx/>
+              <a:buFontTx/>
+              <a:buChar char="•"/>
+              <a:tabLst/>
+            </a:pPr>
+            <a:r>
+              <a:rPr kumimoji="0" lang="en-US" altLang="en-US" sz="2800" b="1" i="0" u="none" strike="noStrike" cap="none" normalizeH="0" baseline="0" dirty="0">
+                <a:ln>
+                  <a:noFill/>
+                </a:ln>
+                <a:solidFill>
+                  <a:schemeClr val="bg1"/>
+                </a:solidFill>
+                <a:effectLst/>
+                <a:latin typeface="TT Octosquares Compressed" panose="020B0604020202020204" charset="0"/>
+              </a:rPr>
+              <a:t>Rechargeable Module (TP4056)</a:t>
+            </a:r>
+            <a:r>
+              <a:rPr kumimoji="0" lang="en-US" altLang="en-US" sz="2800" b="0" i="0" u="none" strike="noStrike" cap="none" normalizeH="0" baseline="0" dirty="0">
+                <a:ln>
+                  <a:noFill/>
+                </a:ln>
+                <a:solidFill>
+                  <a:schemeClr val="bg1"/>
+                </a:solidFill>
+                <a:effectLst/>
+                <a:latin typeface="TT Octosquares Compressed" panose="020B0604020202020204" charset="0"/>
+              </a:rPr>
+              <a:t> - 29 Free Guides for Sensors and Modules </a:t>
+            </a:r>
+          </a:p>
+        </p:txBody>
+      </p:sp>
+    </p:spTree>
+    <p:extLst>
+      <p:ext uri="{BB962C8B-B14F-4D97-AF65-F5344CB8AC3E}">
+        <p14:creationId xmlns:p14="http://schemas.microsoft.com/office/powerpoint/2010/main" val="3983524256"/>
+      </p:ext>
+    </p:extLst>
   </p:cSld>
   <p:clrMapOvr>
     <a:masterClrMapping/>
